--- a/final_presentation_anomaly_detection_new.pptx
+++ b/final_presentation_anomaly_detection_new.pptx
@@ -5,7 +5,7 @@
     <p:sldMasterId id="2147483675" r:id="rId1"/>
   </p:sldMasterIdLst>
   <p:notesMasterIdLst>
-    <p:notesMasterId r:id="rId52"/>
+    <p:notesMasterId r:id="rId54"/>
   </p:notesMasterIdLst>
   <p:sldIdLst>
     <p:sldId id="256" r:id="rId2"/>
@@ -44,48 +44,50 @@
     <p:sldId id="344" r:id="rId35"/>
     <p:sldId id="350" r:id="rId36"/>
     <p:sldId id="352" r:id="rId37"/>
-    <p:sldId id="353" r:id="rId38"/>
-    <p:sldId id="347" r:id="rId39"/>
-    <p:sldId id="348" r:id="rId40"/>
-    <p:sldId id="351" r:id="rId41"/>
-    <p:sldId id="300" r:id="rId42"/>
-    <p:sldId id="312" r:id="rId43"/>
-    <p:sldId id="301" r:id="rId44"/>
-    <p:sldId id="261" r:id="rId45"/>
-    <p:sldId id="314" r:id="rId46"/>
-    <p:sldId id="318" r:id="rId47"/>
-    <p:sldId id="319" r:id="rId48"/>
-    <p:sldId id="320" r:id="rId49"/>
-    <p:sldId id="322" r:id="rId50"/>
-    <p:sldId id="321" r:id="rId51"/>
+    <p:sldId id="356" r:id="rId38"/>
+    <p:sldId id="357" r:id="rId39"/>
+    <p:sldId id="353" r:id="rId40"/>
+    <p:sldId id="347" r:id="rId41"/>
+    <p:sldId id="348" r:id="rId42"/>
+    <p:sldId id="351" r:id="rId43"/>
+    <p:sldId id="300" r:id="rId44"/>
+    <p:sldId id="312" r:id="rId45"/>
+    <p:sldId id="301" r:id="rId46"/>
+    <p:sldId id="261" r:id="rId47"/>
+    <p:sldId id="314" r:id="rId48"/>
+    <p:sldId id="318" r:id="rId49"/>
+    <p:sldId id="319" r:id="rId50"/>
+    <p:sldId id="320" r:id="rId51"/>
+    <p:sldId id="322" r:id="rId52"/>
+    <p:sldId id="321" r:id="rId53"/>
   </p:sldIdLst>
   <p:sldSz cx="9144000" cy="5143500" type="screen16x9"/>
   <p:notesSz cx="6858000" cy="9144000"/>
   <p:embeddedFontLst>
     <p:embeddedFont>
       <p:font typeface="Abadi" panose="020B0604020104020204" pitchFamily="34" charset="0"/>
-      <p:regular r:id="rId53"/>
+      <p:regular r:id="rId55"/>
     </p:embeddedFont>
     <p:embeddedFont>
       <p:font typeface="Catamaran" panose="020B0604020202020204" charset="-18"/>
-      <p:regular r:id="rId54"/>
-      <p:bold r:id="rId55"/>
-    </p:embeddedFont>
-    <p:embeddedFont>
-      <p:font typeface="Lexend Deca" panose="020B0604020202020204" charset="-18"/>
       <p:regular r:id="rId56"/>
       <p:bold r:id="rId57"/>
     </p:embeddedFont>
     <p:embeddedFont>
-      <p:font typeface="Proxima Nova" panose="020B0604020202020204" charset="0"/>
+      <p:font typeface="Lexend Deca" panose="020B0604020202020204" charset="-18"/>
       <p:regular r:id="rId58"/>
       <p:bold r:id="rId59"/>
-      <p:italic r:id="rId60"/>
-      <p:boldItalic r:id="rId61"/>
+    </p:embeddedFont>
+    <p:embeddedFont>
+      <p:font typeface="Proxima Nova" panose="020B0604020202020204" charset="0"/>
+      <p:regular r:id="rId60"/>
+      <p:bold r:id="rId61"/>
+      <p:italic r:id="rId62"/>
+      <p:boldItalic r:id="rId63"/>
     </p:embeddedFont>
     <p:embeddedFont>
       <p:font typeface="Segoe UI Historic" panose="020B0502040204020203" pitchFamily="34" charset="0"/>
-      <p:regular r:id="rId62"/>
+      <p:regular r:id="rId64"/>
     </p:embeddedFont>
   </p:embeddedFontLst>
   <p:defaultTextStyle>
@@ -30821,6 +30823,680 @@
           <p:cNvPr id="2" name="Title 1">
             <a:extLst>
               <a:ext uri="{FF2B5EF4-FFF2-40B4-BE49-F238E27FC236}">
+                <a16:creationId xmlns:a16="http://schemas.microsoft.com/office/drawing/2014/main" id="{9C59AF2A-26EC-84EF-DF82-C6F888C8AB6B}"/>
+              </a:ext>
+            </a:extLst>
+          </p:cNvPr>
+          <p:cNvSpPr>
+            <a:spLocks noGrp="1"/>
+          </p:cNvSpPr>
+          <p:nvPr>
+            <p:ph type="title"/>
+          </p:nvPr>
+        </p:nvSpPr>
+        <p:spPr>
+          <a:xfrm>
+            <a:off x="720000" y="235743"/>
+            <a:ext cx="7704000" cy="554987"/>
+          </a:xfrm>
+        </p:spPr>
+        <p:txBody>
+          <a:bodyPr/>
+          <a:lstStyle/>
+          <a:p>
+            <a:r>
+              <a:rPr lang="pl-PL" dirty="0"/>
+              <a:t>Stain normalization</a:t>
+            </a:r>
+          </a:p>
+        </p:txBody>
+      </p:sp>
+      <p:sp>
+        <p:nvSpPr>
+          <p:cNvPr id="4" name="Text Placeholder 2">
+            <a:extLst>
+              <a:ext uri="{FF2B5EF4-FFF2-40B4-BE49-F238E27FC236}">
+                <a16:creationId xmlns:a16="http://schemas.microsoft.com/office/drawing/2014/main" id="{48A29DB9-E805-B225-EB61-1AF39CAB510F}"/>
+              </a:ext>
+            </a:extLst>
+          </p:cNvPr>
+          <p:cNvSpPr>
+            <a:spLocks noGrp="1"/>
+          </p:cNvSpPr>
+          <p:nvPr>
+            <p:ph type="body" idx="1"/>
+          </p:nvPr>
+        </p:nvSpPr>
+        <p:spPr>
+          <a:xfrm>
+            <a:off x="1871663" y="1457275"/>
+            <a:ext cx="5350668" cy="2933700"/>
+          </a:xfrm>
+        </p:spPr>
+        <p:txBody>
+          <a:bodyPr/>
+          <a:lstStyle/>
+          <a:p>
+            <a:pPr marL="139700" indent="0" algn="ctr">
+              <a:buNone/>
+            </a:pPr>
+            <a:r>
+              <a:rPr lang="pl-PL" sz="1800" dirty="0">
+                <a:solidFill>
+                  <a:schemeClr val="tx1"/>
+                </a:solidFill>
+                <a:latin typeface="Catamaran" panose="020B0604020202020204" charset="-18"/>
+                <a:cs typeface="Catamaran" panose="020B0604020202020204" charset="-18"/>
+              </a:rPr>
+              <a:t>Paper:</a:t>
+            </a:r>
+            <a:endParaRPr lang="pl-PL" sz="900" dirty="0">
+              <a:solidFill>
+                <a:schemeClr val="tx1"/>
+              </a:solidFill>
+              <a:latin typeface="Catamaran" panose="020B0604020202020204" charset="-18"/>
+              <a:cs typeface="Catamaran" panose="020B0604020202020204" charset="-18"/>
+            </a:endParaRPr>
+          </a:p>
+          <a:p>
+            <a:pPr marL="139700" indent="0" algn="ctr">
+              <a:buNone/>
+            </a:pPr>
+            <a:endParaRPr lang="pl-PL" sz="900" b="1" i="0" dirty="0">
+              <a:solidFill>
+                <a:schemeClr val="tx1"/>
+              </a:solidFill>
+              <a:effectLst/>
+              <a:latin typeface="Catamaran" panose="020B0604020202020204" charset="-18"/>
+              <a:cs typeface="Catamaran" panose="020B0604020202020204" charset="-18"/>
+            </a:endParaRPr>
+          </a:p>
+          <a:p>
+            <a:pPr marL="139700" indent="0" algn="ctr">
+              <a:buNone/>
+            </a:pPr>
+            <a:r>
+              <a:rPr lang="en-US" sz="1800" b="1" i="0" dirty="0" err="1">
+                <a:solidFill>
+                  <a:schemeClr val="tx1"/>
+                </a:solidFill>
+                <a:effectLst/>
+                <a:latin typeface="Catamaran" panose="020B0604020202020204" charset="-18"/>
+                <a:cs typeface="Catamaran" panose="020B0604020202020204" charset="-18"/>
+              </a:rPr>
+              <a:t>StainNet</a:t>
+            </a:r>
+            <a:r>
+              <a:rPr lang="en-US" sz="1800" b="1" i="0" dirty="0">
+                <a:solidFill>
+                  <a:schemeClr val="tx1"/>
+                </a:solidFill>
+                <a:effectLst/>
+                <a:latin typeface="Catamaran" panose="020B0604020202020204" charset="-18"/>
+                <a:cs typeface="Catamaran" panose="020B0604020202020204" charset="-18"/>
+              </a:rPr>
+              <a:t>: A Fast and Robust Stain Normalization Network</a:t>
+            </a:r>
+            <a:endParaRPr lang="pl-PL" sz="1800" b="1" i="0" dirty="0">
+              <a:solidFill>
+                <a:schemeClr val="tx1"/>
+              </a:solidFill>
+              <a:effectLst/>
+              <a:latin typeface="Catamaran" panose="020B0604020202020204" charset="-18"/>
+              <a:cs typeface="Catamaran" panose="020B0604020202020204" charset="-18"/>
+            </a:endParaRPr>
+          </a:p>
+          <a:p>
+            <a:pPr marL="139700" indent="0" algn="ctr">
+              <a:buNone/>
+            </a:pPr>
+            <a:endParaRPr lang="pl-PL" sz="1800" b="1" dirty="0">
+              <a:solidFill>
+                <a:schemeClr val="tx1"/>
+              </a:solidFill>
+              <a:latin typeface="Catamaran" panose="020B0604020202020204" charset="-18"/>
+              <a:cs typeface="Catamaran" panose="020B0604020202020204" charset="-18"/>
+            </a:endParaRPr>
+          </a:p>
+          <a:p>
+            <a:pPr marL="139700" indent="0" algn="ctr">
+              <a:buNone/>
+            </a:pPr>
+            <a:r>
+              <a:rPr lang="pl-PL" sz="1800" i="0" dirty="0">
+                <a:solidFill>
+                  <a:schemeClr val="tx1"/>
+                </a:solidFill>
+                <a:effectLst/>
+                <a:latin typeface="Catamaran" panose="020B0604020202020204" charset="-18"/>
+                <a:cs typeface="Catamaran" panose="020B0604020202020204" charset="-18"/>
+              </a:rPr>
+              <a:t>Model:</a:t>
+            </a:r>
+          </a:p>
+          <a:p>
+            <a:pPr marL="139700" indent="0" algn="ctr">
+              <a:buNone/>
+            </a:pPr>
+            <a:endParaRPr lang="pl-PL" sz="900" dirty="0">
+              <a:solidFill>
+                <a:schemeClr val="tx1"/>
+              </a:solidFill>
+              <a:latin typeface="Catamaran" panose="020B0604020202020204" charset="-18"/>
+              <a:cs typeface="Catamaran" panose="020B0604020202020204" charset="-18"/>
+            </a:endParaRPr>
+          </a:p>
+          <a:p>
+            <a:pPr marL="139700" indent="0" algn="ctr">
+              <a:buNone/>
+            </a:pPr>
+            <a:r>
+              <a:rPr lang="pl-PL" sz="1800" i="0" dirty="0">
+                <a:solidFill>
+                  <a:schemeClr val="tx1"/>
+                </a:solidFill>
+                <a:effectLst/>
+                <a:latin typeface="Catamaran" panose="020B0604020202020204" charset="-18"/>
+                <a:cs typeface="Catamaran" panose="020B0604020202020204" charset="-18"/>
+              </a:rPr>
+              <a:t>https://github.com/khtao/StainNet/blob/master/checkpoints/camelyon16_dataset/StainNet-Public-centerUni_layer3_ch32.pth</a:t>
+            </a:r>
+          </a:p>
+        </p:txBody>
+      </p:sp>
+    </p:spTree>
+    <p:extLst>
+      <p:ext uri="{BB962C8B-B14F-4D97-AF65-F5344CB8AC3E}">
+        <p14:creationId xmlns:p14="http://schemas.microsoft.com/office/powerpoint/2010/main" val="938257817"/>
+      </p:ext>
+    </p:extLst>
+  </p:cSld>
+  <p:clrMapOvr>
+    <a:masterClrMapping/>
+  </p:clrMapOvr>
+</p:sld>
+</file>
+
+<file path=ppt/slides/slide38.xml><?xml version="1.0" encoding="utf-8"?>
+<p:sld xmlns:a="http://schemas.openxmlformats.org/drawingml/2006/main" xmlns:r="http://schemas.openxmlformats.org/officeDocument/2006/relationships" xmlns:p="http://schemas.openxmlformats.org/presentationml/2006/main">
+  <p:cSld>
+    <p:spTree>
+      <p:nvGrpSpPr>
+        <p:cNvPr id="1" name=""/>
+        <p:cNvGrpSpPr/>
+        <p:nvPr/>
+      </p:nvGrpSpPr>
+      <p:grpSpPr>
+        <a:xfrm>
+          <a:off x="0" y="0"/>
+          <a:ext cx="0" cy="0"/>
+          <a:chOff x="0" y="0"/>
+          <a:chExt cx="0" cy="0"/>
+        </a:xfrm>
+      </p:grpSpPr>
+      <p:sp>
+        <p:nvSpPr>
+          <p:cNvPr id="2" name="Title 1">
+            <a:extLst>
+              <a:ext uri="{FF2B5EF4-FFF2-40B4-BE49-F238E27FC236}">
+                <a16:creationId xmlns:a16="http://schemas.microsoft.com/office/drawing/2014/main" id="{FE9B2247-60ED-420C-116D-5301EC828D0D}"/>
+              </a:ext>
+            </a:extLst>
+          </p:cNvPr>
+          <p:cNvSpPr>
+            <a:spLocks noGrp="1"/>
+          </p:cNvSpPr>
+          <p:nvPr>
+            <p:ph type="title"/>
+          </p:nvPr>
+        </p:nvSpPr>
+        <p:spPr>
+          <a:xfrm>
+            <a:off x="720000" y="242254"/>
+            <a:ext cx="7704000" cy="572700"/>
+          </a:xfrm>
+        </p:spPr>
+        <p:txBody>
+          <a:bodyPr/>
+          <a:lstStyle/>
+          <a:p>
+            <a:r>
+              <a:rPr lang="pl-PL" dirty="0" err="1"/>
+              <a:t>Stain</a:t>
+            </a:r>
+            <a:r>
+              <a:rPr lang="pl-PL" dirty="0"/>
+              <a:t> </a:t>
+            </a:r>
+            <a:r>
+              <a:rPr lang="pl-PL" dirty="0" err="1"/>
+              <a:t>normalization</a:t>
+            </a:r>
+            <a:br>
+              <a:rPr lang="pl-PL" sz="1800" dirty="0"/>
+            </a:br>
+            <a:br>
+              <a:rPr lang="pl-PL" sz="1800" dirty="0"/>
+            </a:br>
+            <a:r>
+              <a:rPr lang="pl-PL" dirty="0" err="1"/>
+              <a:t>Examples</a:t>
+            </a:r>
+            <a:endParaRPr lang="pl-PL" dirty="0"/>
+          </a:p>
+        </p:txBody>
+      </p:sp>
+      <p:pic>
+        <p:nvPicPr>
+          <p:cNvPr id="1026" name="Picture 2">
+            <a:extLst>
+              <a:ext uri="{FF2B5EF4-FFF2-40B4-BE49-F238E27FC236}">
+                <a16:creationId xmlns:a16="http://schemas.microsoft.com/office/drawing/2014/main" id="{53CD41E5-FDEF-2BB6-A09B-F4F29EC55A35}"/>
+              </a:ext>
+            </a:extLst>
+          </p:cNvPr>
+          <p:cNvPicPr>
+            <a:picLocks noChangeAspect="1" noChangeArrowheads="1"/>
+          </p:cNvPicPr>
+          <p:nvPr/>
+        </p:nvPicPr>
+        <p:blipFill>
+          <a:blip r:embed="rId2">
+            <a:extLst>
+              <a:ext uri="{28A0092B-C50C-407E-A947-70E740481C1C}">
+                <a14:useLocalDpi xmlns:a14="http://schemas.microsoft.com/office/drawing/2010/main" val="0"/>
+              </a:ext>
+            </a:extLst>
+          </a:blip>
+          <a:srcRect/>
+          <a:stretch>
+            <a:fillRect/>
+          </a:stretch>
+        </p:blipFill>
+        <p:spPr bwMode="auto">
+          <a:xfrm>
+            <a:off x="1698694" y="2028824"/>
+            <a:ext cx="1400175" cy="1400175"/>
+          </a:xfrm>
+          <a:prstGeom prst="rect">
+            <a:avLst/>
+          </a:prstGeom>
+          <a:noFill/>
+          <a:extLst>
+            <a:ext uri="{909E8E84-426E-40DD-AFC4-6F175D3DCCD1}">
+              <a14:hiddenFill xmlns:a14="http://schemas.microsoft.com/office/drawing/2010/main">
+                <a:solidFill>
+                  <a:srgbClr val="FFFFFF"/>
+                </a:solidFill>
+              </a14:hiddenFill>
+            </a:ext>
+          </a:extLst>
+        </p:spPr>
+      </p:pic>
+      <p:pic>
+        <p:nvPicPr>
+          <p:cNvPr id="1028" name="Picture 4">
+            <a:extLst>
+              <a:ext uri="{FF2B5EF4-FFF2-40B4-BE49-F238E27FC236}">
+                <a16:creationId xmlns:a16="http://schemas.microsoft.com/office/drawing/2014/main" id="{2FDB9676-B43A-D73C-F075-AAE7FE2D2470}"/>
+              </a:ext>
+            </a:extLst>
+          </p:cNvPr>
+          <p:cNvPicPr>
+            <a:picLocks noChangeAspect="1" noChangeArrowheads="1"/>
+          </p:cNvPicPr>
+          <p:nvPr/>
+        </p:nvPicPr>
+        <p:blipFill>
+          <a:blip r:embed="rId3">
+            <a:extLst>
+              <a:ext uri="{28A0092B-C50C-407E-A947-70E740481C1C}">
+                <a14:useLocalDpi xmlns:a14="http://schemas.microsoft.com/office/drawing/2010/main" val="0"/>
+              </a:ext>
+            </a:extLst>
+          </a:blip>
+          <a:srcRect/>
+          <a:stretch>
+            <a:fillRect/>
+          </a:stretch>
+        </p:blipFill>
+        <p:spPr bwMode="auto">
+          <a:xfrm>
+            <a:off x="1698694" y="3501071"/>
+            <a:ext cx="1400175" cy="1400175"/>
+          </a:xfrm>
+          <a:prstGeom prst="rect">
+            <a:avLst/>
+          </a:prstGeom>
+          <a:noFill/>
+          <a:extLst>
+            <a:ext uri="{909E8E84-426E-40DD-AFC4-6F175D3DCCD1}">
+              <a14:hiddenFill xmlns:a14="http://schemas.microsoft.com/office/drawing/2010/main">
+                <a:solidFill>
+                  <a:srgbClr val="FFFFFF"/>
+                </a:solidFill>
+              </a14:hiddenFill>
+            </a:ext>
+          </a:extLst>
+        </p:spPr>
+      </p:pic>
+      <p:pic>
+        <p:nvPicPr>
+          <p:cNvPr id="1030" name="Picture 6">
+            <a:extLst>
+              <a:ext uri="{FF2B5EF4-FFF2-40B4-BE49-F238E27FC236}">
+                <a16:creationId xmlns:a16="http://schemas.microsoft.com/office/drawing/2014/main" id="{3FA64A34-0C6D-CAA8-34FB-EF6BBEFFC3FA}"/>
+              </a:ext>
+            </a:extLst>
+          </p:cNvPr>
+          <p:cNvPicPr>
+            <a:picLocks noChangeAspect="1" noChangeArrowheads="1"/>
+          </p:cNvPicPr>
+          <p:nvPr/>
+        </p:nvPicPr>
+        <p:blipFill>
+          <a:blip r:embed="rId4">
+            <a:extLst>
+              <a:ext uri="{28A0092B-C50C-407E-A947-70E740481C1C}">
+                <a14:useLocalDpi xmlns:a14="http://schemas.microsoft.com/office/drawing/2010/main" val="0"/>
+              </a:ext>
+            </a:extLst>
+          </a:blip>
+          <a:srcRect/>
+          <a:stretch>
+            <a:fillRect/>
+          </a:stretch>
+        </p:blipFill>
+        <p:spPr bwMode="auto">
+          <a:xfrm>
+            <a:off x="3150394" y="2028824"/>
+            <a:ext cx="1400175" cy="1400175"/>
+          </a:xfrm>
+          <a:prstGeom prst="rect">
+            <a:avLst/>
+          </a:prstGeom>
+          <a:noFill/>
+          <a:extLst>
+            <a:ext uri="{909E8E84-426E-40DD-AFC4-6F175D3DCCD1}">
+              <a14:hiddenFill xmlns:a14="http://schemas.microsoft.com/office/drawing/2010/main">
+                <a:solidFill>
+                  <a:srgbClr val="FFFFFF"/>
+                </a:solidFill>
+              </a14:hiddenFill>
+            </a:ext>
+          </a:extLst>
+        </p:spPr>
+      </p:pic>
+      <p:pic>
+        <p:nvPicPr>
+          <p:cNvPr id="1032" name="Picture 8">
+            <a:extLst>
+              <a:ext uri="{FF2B5EF4-FFF2-40B4-BE49-F238E27FC236}">
+                <a16:creationId xmlns:a16="http://schemas.microsoft.com/office/drawing/2014/main" id="{3D757D3D-32E9-6138-B856-1C4B819406D2}"/>
+              </a:ext>
+            </a:extLst>
+          </p:cNvPr>
+          <p:cNvPicPr>
+            <a:picLocks noChangeAspect="1" noChangeArrowheads="1"/>
+          </p:cNvPicPr>
+          <p:nvPr/>
+        </p:nvPicPr>
+        <p:blipFill>
+          <a:blip r:embed="rId5">
+            <a:extLst>
+              <a:ext uri="{28A0092B-C50C-407E-A947-70E740481C1C}">
+                <a14:useLocalDpi xmlns:a14="http://schemas.microsoft.com/office/drawing/2010/main" val="0"/>
+              </a:ext>
+            </a:extLst>
+          </a:blip>
+          <a:srcRect/>
+          <a:stretch>
+            <a:fillRect/>
+          </a:stretch>
+        </p:blipFill>
+        <p:spPr bwMode="auto">
+          <a:xfrm>
+            <a:off x="3150393" y="3501070"/>
+            <a:ext cx="1400175" cy="1400175"/>
+          </a:xfrm>
+          <a:prstGeom prst="rect">
+            <a:avLst/>
+          </a:prstGeom>
+          <a:noFill/>
+          <a:extLst>
+            <a:ext uri="{909E8E84-426E-40DD-AFC4-6F175D3DCCD1}">
+              <a14:hiddenFill xmlns:a14="http://schemas.microsoft.com/office/drawing/2010/main">
+                <a:solidFill>
+                  <a:srgbClr val="FFFFFF"/>
+                </a:solidFill>
+              </a14:hiddenFill>
+            </a:ext>
+          </a:extLst>
+        </p:spPr>
+      </p:pic>
+      <p:pic>
+        <p:nvPicPr>
+          <p:cNvPr id="1034" name="Picture 10">
+            <a:extLst>
+              <a:ext uri="{FF2B5EF4-FFF2-40B4-BE49-F238E27FC236}">
+                <a16:creationId xmlns:a16="http://schemas.microsoft.com/office/drawing/2014/main" id="{D5C7330E-A616-DFE2-0DDE-A10D4FFD1254}"/>
+              </a:ext>
+            </a:extLst>
+          </p:cNvPr>
+          <p:cNvPicPr>
+            <a:picLocks noChangeAspect="1" noChangeArrowheads="1"/>
+          </p:cNvPicPr>
+          <p:nvPr/>
+        </p:nvPicPr>
+        <p:blipFill>
+          <a:blip r:embed="rId6">
+            <a:extLst>
+              <a:ext uri="{28A0092B-C50C-407E-A947-70E740481C1C}">
+                <a14:useLocalDpi xmlns:a14="http://schemas.microsoft.com/office/drawing/2010/main" val="0"/>
+              </a:ext>
+            </a:extLst>
+          </a:blip>
+          <a:srcRect/>
+          <a:stretch>
+            <a:fillRect/>
+          </a:stretch>
+        </p:blipFill>
+        <p:spPr bwMode="auto">
+          <a:xfrm>
+            <a:off x="4602094" y="2028824"/>
+            <a:ext cx="1400176" cy="1400176"/>
+          </a:xfrm>
+          <a:prstGeom prst="rect">
+            <a:avLst/>
+          </a:prstGeom>
+          <a:noFill/>
+          <a:extLst>
+            <a:ext uri="{909E8E84-426E-40DD-AFC4-6F175D3DCCD1}">
+              <a14:hiddenFill xmlns:a14="http://schemas.microsoft.com/office/drawing/2010/main">
+                <a:solidFill>
+                  <a:srgbClr val="FFFFFF"/>
+                </a:solidFill>
+              </a14:hiddenFill>
+            </a:ext>
+          </a:extLst>
+        </p:spPr>
+      </p:pic>
+      <p:pic>
+        <p:nvPicPr>
+          <p:cNvPr id="1036" name="Picture 12">
+            <a:extLst>
+              <a:ext uri="{FF2B5EF4-FFF2-40B4-BE49-F238E27FC236}">
+                <a16:creationId xmlns:a16="http://schemas.microsoft.com/office/drawing/2014/main" id="{6790D2F5-E208-20C2-08EA-9AFBC360AAE8}"/>
+              </a:ext>
+            </a:extLst>
+          </p:cNvPr>
+          <p:cNvPicPr>
+            <a:picLocks noChangeAspect="1" noChangeArrowheads="1"/>
+          </p:cNvPicPr>
+          <p:nvPr/>
+        </p:nvPicPr>
+        <p:blipFill>
+          <a:blip r:embed="rId7">
+            <a:extLst>
+              <a:ext uri="{28A0092B-C50C-407E-A947-70E740481C1C}">
+                <a14:useLocalDpi xmlns:a14="http://schemas.microsoft.com/office/drawing/2010/main" val="0"/>
+              </a:ext>
+            </a:extLst>
+          </a:blip>
+          <a:srcRect/>
+          <a:stretch>
+            <a:fillRect/>
+          </a:stretch>
+        </p:blipFill>
+        <p:spPr bwMode="auto">
+          <a:xfrm>
+            <a:off x="4602092" y="3501070"/>
+            <a:ext cx="1400176" cy="1400176"/>
+          </a:xfrm>
+          <a:prstGeom prst="rect">
+            <a:avLst/>
+          </a:prstGeom>
+          <a:noFill/>
+          <a:extLst>
+            <a:ext uri="{909E8E84-426E-40DD-AFC4-6F175D3DCCD1}">
+              <a14:hiddenFill xmlns:a14="http://schemas.microsoft.com/office/drawing/2010/main">
+                <a:solidFill>
+                  <a:srgbClr val="FFFFFF"/>
+                </a:solidFill>
+              </a14:hiddenFill>
+            </a:ext>
+          </a:extLst>
+        </p:spPr>
+      </p:pic>
+      <p:pic>
+        <p:nvPicPr>
+          <p:cNvPr id="1038" name="Picture 14">
+            <a:extLst>
+              <a:ext uri="{FF2B5EF4-FFF2-40B4-BE49-F238E27FC236}">
+                <a16:creationId xmlns:a16="http://schemas.microsoft.com/office/drawing/2014/main" id="{D648FF8C-2019-5682-5C42-2DA32FA19D48}"/>
+              </a:ext>
+            </a:extLst>
+          </p:cNvPr>
+          <p:cNvPicPr>
+            <a:picLocks noChangeAspect="1" noChangeArrowheads="1"/>
+          </p:cNvPicPr>
+          <p:nvPr/>
+        </p:nvPicPr>
+        <p:blipFill>
+          <a:blip r:embed="rId8">
+            <a:extLst>
+              <a:ext uri="{28A0092B-C50C-407E-A947-70E740481C1C}">
+                <a14:useLocalDpi xmlns:a14="http://schemas.microsoft.com/office/drawing/2010/main" val="0"/>
+              </a:ext>
+            </a:extLst>
+          </a:blip>
+          <a:srcRect/>
+          <a:stretch>
+            <a:fillRect/>
+          </a:stretch>
+        </p:blipFill>
+        <p:spPr bwMode="auto">
+          <a:xfrm>
+            <a:off x="6053794" y="2028824"/>
+            <a:ext cx="1400176" cy="1400176"/>
+          </a:xfrm>
+          <a:prstGeom prst="rect">
+            <a:avLst/>
+          </a:prstGeom>
+          <a:noFill/>
+          <a:extLst>
+            <a:ext uri="{909E8E84-426E-40DD-AFC4-6F175D3DCCD1}">
+              <a14:hiddenFill xmlns:a14="http://schemas.microsoft.com/office/drawing/2010/main">
+                <a:solidFill>
+                  <a:srgbClr val="FFFFFF"/>
+                </a:solidFill>
+              </a14:hiddenFill>
+            </a:ext>
+          </a:extLst>
+        </p:spPr>
+      </p:pic>
+      <p:pic>
+        <p:nvPicPr>
+          <p:cNvPr id="1040" name="Picture 16">
+            <a:extLst>
+              <a:ext uri="{FF2B5EF4-FFF2-40B4-BE49-F238E27FC236}">
+                <a16:creationId xmlns:a16="http://schemas.microsoft.com/office/drawing/2014/main" id="{57489ADA-698C-D6F9-31D4-3D620DC7E739}"/>
+              </a:ext>
+            </a:extLst>
+          </p:cNvPr>
+          <p:cNvPicPr>
+            <a:picLocks noChangeAspect="1" noChangeArrowheads="1"/>
+          </p:cNvPicPr>
+          <p:nvPr/>
+        </p:nvPicPr>
+        <p:blipFill>
+          <a:blip r:embed="rId9">
+            <a:extLst>
+              <a:ext uri="{28A0092B-C50C-407E-A947-70E740481C1C}">
+                <a14:useLocalDpi xmlns:a14="http://schemas.microsoft.com/office/drawing/2010/main" val="0"/>
+              </a:ext>
+            </a:extLst>
+          </a:blip>
+          <a:srcRect/>
+          <a:stretch>
+            <a:fillRect/>
+          </a:stretch>
+        </p:blipFill>
+        <p:spPr bwMode="auto">
+          <a:xfrm>
+            <a:off x="6053795" y="3501070"/>
+            <a:ext cx="1400175" cy="1400175"/>
+          </a:xfrm>
+          <a:prstGeom prst="rect">
+            <a:avLst/>
+          </a:prstGeom>
+          <a:noFill/>
+          <a:extLst>
+            <a:ext uri="{909E8E84-426E-40DD-AFC4-6F175D3DCCD1}">
+              <a14:hiddenFill xmlns:a14="http://schemas.microsoft.com/office/drawing/2010/main">
+                <a:solidFill>
+                  <a:srgbClr val="FFFFFF"/>
+                </a:solidFill>
+              </a14:hiddenFill>
+            </a:ext>
+          </a:extLst>
+        </p:spPr>
+      </p:pic>
+    </p:spTree>
+    <p:extLst>
+      <p:ext uri="{BB962C8B-B14F-4D97-AF65-F5344CB8AC3E}">
+        <p14:creationId xmlns:p14="http://schemas.microsoft.com/office/powerpoint/2010/main" val="3243235659"/>
+      </p:ext>
+    </p:extLst>
+  </p:cSld>
+  <p:clrMapOvr>
+    <a:masterClrMapping/>
+  </p:clrMapOvr>
+</p:sld>
+</file>
+
+<file path=ppt/slides/slide39.xml><?xml version="1.0" encoding="utf-8"?>
+<p:sld xmlns:a="http://schemas.openxmlformats.org/drawingml/2006/main" xmlns:r="http://schemas.openxmlformats.org/officeDocument/2006/relationships" xmlns:p="http://schemas.openxmlformats.org/presentationml/2006/main">
+  <p:cSld>
+    <p:spTree>
+      <p:nvGrpSpPr>
+        <p:cNvPr id="1" name=""/>
+        <p:cNvGrpSpPr/>
+        <p:nvPr/>
+      </p:nvGrpSpPr>
+      <p:grpSpPr>
+        <a:xfrm>
+          <a:off x="0" y="0"/>
+          <a:ext cx="0" cy="0"/>
+          <a:chOff x="0" y="0"/>
+          <a:chExt cx="0" cy="0"/>
+        </a:xfrm>
+      </p:grpSpPr>
+      <p:sp>
+        <p:nvSpPr>
+          <p:cNvPr id="2" name="Title 1">
+            <a:extLst>
+              <a:ext uri="{FF2B5EF4-FFF2-40B4-BE49-F238E27FC236}">
                 <a16:creationId xmlns:a16="http://schemas.microsoft.com/office/drawing/2014/main" id="{FE9B2247-60ED-420C-116D-5301EC828D0D}"/>
               </a:ext>
             </a:extLst>
@@ -31031,7 +31707,204 @@
 </p:sld>
 </file>
 
-<file path=ppt/slides/slide38.xml><?xml version="1.0" encoding="utf-8"?>
+<file path=ppt/slides/slide4.xml><?xml version="1.0" encoding="utf-8"?>
+<p:sld xmlns:a="http://schemas.openxmlformats.org/drawingml/2006/main" xmlns:r="http://schemas.openxmlformats.org/officeDocument/2006/relationships" xmlns:p="http://schemas.openxmlformats.org/presentationml/2006/main">
+  <p:cSld>
+    <p:spTree>
+      <p:nvGrpSpPr>
+        <p:cNvPr id="1" name="Shape 219"/>
+        <p:cNvGrpSpPr/>
+        <p:nvPr/>
+      </p:nvGrpSpPr>
+      <p:grpSpPr>
+        <a:xfrm>
+          <a:off x="0" y="0"/>
+          <a:ext cx="0" cy="0"/>
+          <a:chOff x="0" y="0"/>
+          <a:chExt cx="0" cy="0"/>
+        </a:xfrm>
+      </p:grpSpPr>
+      <p:sp>
+        <p:nvSpPr>
+          <p:cNvPr id="220" name="Google Shape;220;p33"/>
+          <p:cNvSpPr/>
+          <p:nvPr/>
+        </p:nvSpPr>
+        <p:spPr>
+          <a:xfrm>
+            <a:off x="3638100" y="1262225"/>
+            <a:ext cx="1867800" cy="1110000"/>
+          </a:xfrm>
+          <a:prstGeom prst="roundRect">
+            <a:avLst>
+              <a:gd name="adj" fmla="val 50000"/>
+            </a:avLst>
+          </a:prstGeom>
+          <a:noFill/>
+          <a:ln w="38100" cap="flat" cmpd="sng">
+            <a:solidFill>
+              <a:srgbClr val="F9CFD0"/>
+            </a:solidFill>
+            <a:prstDash val="solid"/>
+            <a:round/>
+            <a:headEnd type="none" w="sm" len="sm"/>
+            <a:tailEnd type="none" w="sm" len="sm"/>
+          </a:ln>
+        </p:spPr>
+        <p:txBody>
+          <a:bodyPr spcFirstLastPara="1" wrap="square" lIns="91425" tIns="91425" rIns="91425" bIns="91425" anchor="ctr" anchorCtr="0">
+            <a:noAutofit/>
+          </a:bodyPr>
+          <a:lstStyle/>
+          <a:p>
+            <a:pPr marL="0" lvl="0" indent="0" algn="l" rtl="0">
+              <a:spcBef>
+                <a:spcPts val="0"/>
+              </a:spcBef>
+              <a:spcAft>
+                <a:spcPts val="0"/>
+              </a:spcAft>
+              <a:buNone/>
+            </a:pPr>
+            <a:endParaRPr dirty="0">
+              <a:solidFill>
+                <a:schemeClr val="accent1"/>
+              </a:solidFill>
+              <a:highlight>
+                <a:srgbClr val="FFFF00"/>
+              </a:highlight>
+            </a:endParaRPr>
+          </a:p>
+        </p:txBody>
+      </p:sp>
+      <p:sp>
+        <p:nvSpPr>
+          <p:cNvPr id="221" name="Google Shape;221;p33"/>
+          <p:cNvSpPr txBox="1">
+            <a:spLocks noGrp="1"/>
+          </p:cNvSpPr>
+          <p:nvPr>
+            <p:ph type="title"/>
+          </p:nvPr>
+        </p:nvSpPr>
+        <p:spPr>
+          <a:xfrm>
+            <a:off x="1924496" y="2425161"/>
+            <a:ext cx="5295007" cy="878464"/>
+          </a:xfrm>
+          <a:prstGeom prst="rect">
+            <a:avLst/>
+          </a:prstGeom>
+        </p:spPr>
+        <p:txBody>
+          <a:bodyPr spcFirstLastPara="1" wrap="square" lIns="91425" tIns="91425" rIns="91425" bIns="91425" anchor="b" anchorCtr="0">
+            <a:noAutofit/>
+          </a:bodyPr>
+          <a:lstStyle/>
+          <a:p>
+            <a:pPr marL="0" lvl="0" indent="0" algn="ctr" rtl="0">
+              <a:spcBef>
+                <a:spcPts val="0"/>
+              </a:spcBef>
+              <a:spcAft>
+                <a:spcPts val="0"/>
+              </a:spcAft>
+              <a:buNone/>
+            </a:pPr>
+            <a:r>
+              <a:rPr lang="pl-PL" sz="4000" dirty="0" err="1"/>
+              <a:t>Workflow</a:t>
+            </a:r>
+            <a:endParaRPr sz="4000" dirty="0"/>
+          </a:p>
+        </p:txBody>
+      </p:sp>
+      <p:sp>
+        <p:nvSpPr>
+          <p:cNvPr id="222" name="Google Shape;222;p33"/>
+          <p:cNvSpPr txBox="1">
+            <a:spLocks noGrp="1"/>
+          </p:cNvSpPr>
+          <p:nvPr>
+            <p:ph type="title" idx="2"/>
+          </p:nvPr>
+        </p:nvSpPr>
+        <p:spPr>
+          <a:xfrm>
+            <a:off x="2996550" y="1262225"/>
+            <a:ext cx="3150900" cy="841800"/>
+          </a:xfrm>
+          <a:prstGeom prst="rect">
+            <a:avLst/>
+          </a:prstGeom>
+        </p:spPr>
+        <p:txBody>
+          <a:bodyPr spcFirstLastPara="1" wrap="square" lIns="91425" tIns="91425" rIns="91425" bIns="91425" anchor="t" anchorCtr="0">
+            <a:noAutofit/>
+          </a:bodyPr>
+          <a:lstStyle/>
+          <a:p>
+            <a:pPr marL="0" lvl="0" indent="0" algn="ctr" rtl="0">
+              <a:spcBef>
+                <a:spcPts val="0"/>
+              </a:spcBef>
+              <a:spcAft>
+                <a:spcPts val="0"/>
+              </a:spcAft>
+              <a:buNone/>
+            </a:pPr>
+            <a:r>
+              <a:rPr lang="en" dirty="0"/>
+              <a:t>0</a:t>
+            </a:r>
+            <a:r>
+              <a:rPr lang="pl-PL" dirty="0"/>
+              <a:t>2</a:t>
+            </a:r>
+            <a:endParaRPr dirty="0"/>
+          </a:p>
+        </p:txBody>
+      </p:sp>
+      <p:cxnSp>
+        <p:nvCxnSpPr>
+          <p:cNvPr id="224" name="Google Shape;224;p33"/>
+          <p:cNvCxnSpPr/>
+          <p:nvPr/>
+        </p:nvCxnSpPr>
+        <p:spPr>
+          <a:xfrm>
+            <a:off x="5040750" y="3303625"/>
+            <a:ext cx="1106700" cy="0"/>
+          </a:xfrm>
+          <a:prstGeom prst="straightConnector1">
+            <a:avLst/>
+          </a:prstGeom>
+          <a:noFill/>
+          <a:ln w="38100" cap="flat" cmpd="sng">
+            <a:solidFill>
+              <a:schemeClr val="lt2"/>
+            </a:solidFill>
+            <a:prstDash val="solid"/>
+            <a:round/>
+            <a:headEnd type="none" w="med" len="med"/>
+            <a:tailEnd type="none" w="med" len="med"/>
+          </a:ln>
+        </p:spPr>
+      </p:cxnSp>
+    </p:spTree>
+    <p:extLst>
+      <p:ext uri="{BB962C8B-B14F-4D97-AF65-F5344CB8AC3E}">
+        <p14:creationId xmlns:p14="http://schemas.microsoft.com/office/powerpoint/2010/main" val="1463491164"/>
+      </p:ext>
+    </p:extLst>
+  </p:cSld>
+  <p:clrMapOvr>
+    <a:masterClrMapping/>
+  </p:clrMapOvr>
+</p:sld>
+</file>
+
+<file path=ppt/slides/slide40.xml><?xml version="1.0" encoding="utf-8"?>
 <p:sld xmlns:a="http://schemas.openxmlformats.org/drawingml/2006/main" xmlns:r="http://schemas.openxmlformats.org/officeDocument/2006/relationships" xmlns:p="http://schemas.openxmlformats.org/presentationml/2006/main">
   <p:cSld>
     <p:spTree>
@@ -31309,7 +32182,7 @@
 </p:sld>
 </file>
 
-<file path=ppt/slides/slide39.xml><?xml version="1.0" encoding="utf-8"?>
+<file path=ppt/slides/slide41.xml><?xml version="1.0" encoding="utf-8"?>
 <p:sld xmlns:a="http://schemas.openxmlformats.org/drawingml/2006/main" xmlns:r="http://schemas.openxmlformats.org/officeDocument/2006/relationships" xmlns:p="http://schemas.openxmlformats.org/presentationml/2006/main">
   <p:cSld>
     <p:spTree>
@@ -31531,204 +32404,7 @@
 </p:sld>
 </file>
 
-<file path=ppt/slides/slide4.xml><?xml version="1.0" encoding="utf-8"?>
-<p:sld xmlns:a="http://schemas.openxmlformats.org/drawingml/2006/main" xmlns:r="http://schemas.openxmlformats.org/officeDocument/2006/relationships" xmlns:p="http://schemas.openxmlformats.org/presentationml/2006/main">
-  <p:cSld>
-    <p:spTree>
-      <p:nvGrpSpPr>
-        <p:cNvPr id="1" name="Shape 219"/>
-        <p:cNvGrpSpPr/>
-        <p:nvPr/>
-      </p:nvGrpSpPr>
-      <p:grpSpPr>
-        <a:xfrm>
-          <a:off x="0" y="0"/>
-          <a:ext cx="0" cy="0"/>
-          <a:chOff x="0" y="0"/>
-          <a:chExt cx="0" cy="0"/>
-        </a:xfrm>
-      </p:grpSpPr>
-      <p:sp>
-        <p:nvSpPr>
-          <p:cNvPr id="220" name="Google Shape;220;p33"/>
-          <p:cNvSpPr/>
-          <p:nvPr/>
-        </p:nvSpPr>
-        <p:spPr>
-          <a:xfrm>
-            <a:off x="3638100" y="1262225"/>
-            <a:ext cx="1867800" cy="1110000"/>
-          </a:xfrm>
-          <a:prstGeom prst="roundRect">
-            <a:avLst>
-              <a:gd name="adj" fmla="val 50000"/>
-            </a:avLst>
-          </a:prstGeom>
-          <a:noFill/>
-          <a:ln w="38100" cap="flat" cmpd="sng">
-            <a:solidFill>
-              <a:srgbClr val="F9CFD0"/>
-            </a:solidFill>
-            <a:prstDash val="solid"/>
-            <a:round/>
-            <a:headEnd type="none" w="sm" len="sm"/>
-            <a:tailEnd type="none" w="sm" len="sm"/>
-          </a:ln>
-        </p:spPr>
-        <p:txBody>
-          <a:bodyPr spcFirstLastPara="1" wrap="square" lIns="91425" tIns="91425" rIns="91425" bIns="91425" anchor="ctr" anchorCtr="0">
-            <a:noAutofit/>
-          </a:bodyPr>
-          <a:lstStyle/>
-          <a:p>
-            <a:pPr marL="0" lvl="0" indent="0" algn="l" rtl="0">
-              <a:spcBef>
-                <a:spcPts val="0"/>
-              </a:spcBef>
-              <a:spcAft>
-                <a:spcPts val="0"/>
-              </a:spcAft>
-              <a:buNone/>
-            </a:pPr>
-            <a:endParaRPr dirty="0">
-              <a:solidFill>
-                <a:schemeClr val="accent1"/>
-              </a:solidFill>
-              <a:highlight>
-                <a:srgbClr val="FFFF00"/>
-              </a:highlight>
-            </a:endParaRPr>
-          </a:p>
-        </p:txBody>
-      </p:sp>
-      <p:sp>
-        <p:nvSpPr>
-          <p:cNvPr id="221" name="Google Shape;221;p33"/>
-          <p:cNvSpPr txBox="1">
-            <a:spLocks noGrp="1"/>
-          </p:cNvSpPr>
-          <p:nvPr>
-            <p:ph type="title"/>
-          </p:nvPr>
-        </p:nvSpPr>
-        <p:spPr>
-          <a:xfrm>
-            <a:off x="1924496" y="2425161"/>
-            <a:ext cx="5295007" cy="878464"/>
-          </a:xfrm>
-          <a:prstGeom prst="rect">
-            <a:avLst/>
-          </a:prstGeom>
-        </p:spPr>
-        <p:txBody>
-          <a:bodyPr spcFirstLastPara="1" wrap="square" lIns="91425" tIns="91425" rIns="91425" bIns="91425" anchor="b" anchorCtr="0">
-            <a:noAutofit/>
-          </a:bodyPr>
-          <a:lstStyle/>
-          <a:p>
-            <a:pPr marL="0" lvl="0" indent="0" algn="ctr" rtl="0">
-              <a:spcBef>
-                <a:spcPts val="0"/>
-              </a:spcBef>
-              <a:spcAft>
-                <a:spcPts val="0"/>
-              </a:spcAft>
-              <a:buNone/>
-            </a:pPr>
-            <a:r>
-              <a:rPr lang="pl-PL" sz="4000" dirty="0" err="1"/>
-              <a:t>Workflow</a:t>
-            </a:r>
-            <a:endParaRPr sz="4000" dirty="0"/>
-          </a:p>
-        </p:txBody>
-      </p:sp>
-      <p:sp>
-        <p:nvSpPr>
-          <p:cNvPr id="222" name="Google Shape;222;p33"/>
-          <p:cNvSpPr txBox="1">
-            <a:spLocks noGrp="1"/>
-          </p:cNvSpPr>
-          <p:nvPr>
-            <p:ph type="title" idx="2"/>
-          </p:nvPr>
-        </p:nvSpPr>
-        <p:spPr>
-          <a:xfrm>
-            <a:off x="2996550" y="1262225"/>
-            <a:ext cx="3150900" cy="841800"/>
-          </a:xfrm>
-          <a:prstGeom prst="rect">
-            <a:avLst/>
-          </a:prstGeom>
-        </p:spPr>
-        <p:txBody>
-          <a:bodyPr spcFirstLastPara="1" wrap="square" lIns="91425" tIns="91425" rIns="91425" bIns="91425" anchor="t" anchorCtr="0">
-            <a:noAutofit/>
-          </a:bodyPr>
-          <a:lstStyle/>
-          <a:p>
-            <a:pPr marL="0" lvl="0" indent="0" algn="ctr" rtl="0">
-              <a:spcBef>
-                <a:spcPts val="0"/>
-              </a:spcBef>
-              <a:spcAft>
-                <a:spcPts val="0"/>
-              </a:spcAft>
-              <a:buNone/>
-            </a:pPr>
-            <a:r>
-              <a:rPr lang="en" dirty="0"/>
-              <a:t>0</a:t>
-            </a:r>
-            <a:r>
-              <a:rPr lang="pl-PL" dirty="0"/>
-              <a:t>2</a:t>
-            </a:r>
-            <a:endParaRPr dirty="0"/>
-          </a:p>
-        </p:txBody>
-      </p:sp>
-      <p:cxnSp>
-        <p:nvCxnSpPr>
-          <p:cNvPr id="224" name="Google Shape;224;p33"/>
-          <p:cNvCxnSpPr/>
-          <p:nvPr/>
-        </p:nvCxnSpPr>
-        <p:spPr>
-          <a:xfrm>
-            <a:off x="5040750" y="3303625"/>
-            <a:ext cx="1106700" cy="0"/>
-          </a:xfrm>
-          <a:prstGeom prst="straightConnector1">
-            <a:avLst/>
-          </a:prstGeom>
-          <a:noFill/>
-          <a:ln w="38100" cap="flat" cmpd="sng">
-            <a:solidFill>
-              <a:schemeClr val="lt2"/>
-            </a:solidFill>
-            <a:prstDash val="solid"/>
-            <a:round/>
-            <a:headEnd type="none" w="med" len="med"/>
-            <a:tailEnd type="none" w="med" len="med"/>
-          </a:ln>
-        </p:spPr>
-      </p:cxnSp>
-    </p:spTree>
-    <p:extLst>
-      <p:ext uri="{BB962C8B-B14F-4D97-AF65-F5344CB8AC3E}">
-        <p14:creationId xmlns:p14="http://schemas.microsoft.com/office/powerpoint/2010/main" val="1463491164"/>
-      </p:ext>
-    </p:extLst>
-  </p:cSld>
-  <p:clrMapOvr>
-    <a:masterClrMapping/>
-  </p:clrMapOvr>
-</p:sld>
-</file>
-
-<file path=ppt/slides/slide40.xml><?xml version="1.0" encoding="utf-8"?>
+<file path=ppt/slides/slide42.xml><?xml version="1.0" encoding="utf-8"?>
 <p:sld xmlns:a="http://schemas.openxmlformats.org/drawingml/2006/main" xmlns:r="http://schemas.openxmlformats.org/officeDocument/2006/relationships" xmlns:p="http://schemas.openxmlformats.org/presentationml/2006/main">
   <p:cSld>
     <p:spTree>
@@ -31820,7 +32496,7 @@
 </p:sld>
 </file>
 
-<file path=ppt/slides/slide41.xml><?xml version="1.0" encoding="utf-8"?>
+<file path=ppt/slides/slide43.xml><?xml version="1.0" encoding="utf-8"?>
 <p:sld xmlns:a="http://schemas.openxmlformats.org/drawingml/2006/main" xmlns:r="http://schemas.openxmlformats.org/officeDocument/2006/relationships" xmlns:p="http://schemas.openxmlformats.org/presentationml/2006/main">
   <p:cSld>
     <p:spTree>
@@ -32021,7 +32697,7 @@
 </p:sld>
 </file>
 
-<file path=ppt/slides/slide42.xml><?xml version="1.0" encoding="utf-8"?>
+<file path=ppt/slides/slide44.xml><?xml version="1.0" encoding="utf-8"?>
 <p:sld xmlns:a="http://schemas.openxmlformats.org/drawingml/2006/main" xmlns:r="http://schemas.openxmlformats.org/officeDocument/2006/relationships" xmlns:p="http://schemas.openxmlformats.org/presentationml/2006/main">
   <p:cSld>
     <p:spTree>
@@ -32119,7 +32795,7 @@
 </p:sld>
 </file>
 
-<file path=ppt/slides/slide43.xml><?xml version="1.0" encoding="utf-8"?>
+<file path=ppt/slides/slide45.xml><?xml version="1.0" encoding="utf-8"?>
 <p:sld xmlns:a="http://schemas.openxmlformats.org/drawingml/2006/main" xmlns:r="http://schemas.openxmlformats.org/officeDocument/2006/relationships" xmlns:p="http://schemas.openxmlformats.org/presentationml/2006/main">
   <p:cSld>
     <p:spTree>
@@ -32316,7 +32992,7 @@
 </p:sld>
 </file>
 
-<file path=ppt/slides/slide44.xml><?xml version="1.0" encoding="utf-8"?>
+<file path=ppt/slides/slide46.xml><?xml version="1.0" encoding="utf-8"?>
 <p:sld xmlns:a="http://schemas.openxmlformats.org/drawingml/2006/main" xmlns:r="http://schemas.openxmlformats.org/officeDocument/2006/relationships" xmlns:p="http://schemas.openxmlformats.org/presentationml/2006/main">
   <p:cSld>
     <p:spTree>
@@ -33210,7 +33886,7 @@
 </p:sld>
 </file>
 
-<file path=ppt/slides/slide45.xml><?xml version="1.0" encoding="utf-8"?>
+<file path=ppt/slides/slide47.xml><?xml version="1.0" encoding="utf-8"?>
 <p:sld xmlns:a="http://schemas.openxmlformats.org/drawingml/2006/main" xmlns:r="http://schemas.openxmlformats.org/officeDocument/2006/relationships" xmlns:p="http://schemas.openxmlformats.org/presentationml/2006/main">
   <p:cSld>
     <p:spTree>
@@ -34628,7 +35304,7 @@
 </p:sld>
 </file>
 
-<file path=ppt/slides/slide46.xml><?xml version="1.0" encoding="utf-8"?>
+<file path=ppt/slides/slide48.xml><?xml version="1.0" encoding="utf-8"?>
 <p:sld xmlns:a="http://schemas.openxmlformats.org/drawingml/2006/main" xmlns:r="http://schemas.openxmlformats.org/officeDocument/2006/relationships" xmlns:p="http://schemas.openxmlformats.org/presentationml/2006/main">
   <p:cSld>
     <p:spTree>
@@ -35329,7 +36005,7 @@
 </p:sld>
 </file>
 
-<file path=ppt/slides/slide47.xml><?xml version="1.0" encoding="utf-8"?>
+<file path=ppt/slides/slide49.xml><?xml version="1.0" encoding="utf-8"?>
 <p:sld xmlns:a="http://schemas.openxmlformats.org/drawingml/2006/main" xmlns:r="http://schemas.openxmlformats.org/officeDocument/2006/relationships" xmlns:p="http://schemas.openxmlformats.org/presentationml/2006/main">
   <p:cSld>
     <p:spTree>
@@ -35552,491 +36228,6 @@
     <p:extLst>
       <p:ext uri="{BB962C8B-B14F-4D97-AF65-F5344CB8AC3E}">
         <p14:creationId xmlns:p14="http://schemas.microsoft.com/office/powerpoint/2010/main" val="4132934748"/>
-      </p:ext>
-    </p:extLst>
-  </p:cSld>
-  <p:clrMapOvr>
-    <a:masterClrMapping/>
-  </p:clrMapOvr>
-</p:sld>
-</file>
-
-<file path=ppt/slides/slide48.xml><?xml version="1.0" encoding="utf-8"?>
-<p:sld xmlns:a="http://schemas.openxmlformats.org/drawingml/2006/main" xmlns:r="http://schemas.openxmlformats.org/officeDocument/2006/relationships" xmlns:p="http://schemas.openxmlformats.org/presentationml/2006/main">
-  <p:cSld>
-    <p:spTree>
-      <p:nvGrpSpPr>
-        <p:cNvPr id="1" name="Shape 235"/>
-        <p:cNvGrpSpPr/>
-        <p:nvPr/>
-      </p:nvGrpSpPr>
-      <p:grpSpPr>
-        <a:xfrm>
-          <a:off x="0" y="0"/>
-          <a:ext cx="0" cy="0"/>
-          <a:chOff x="0" y="0"/>
-          <a:chExt cx="0" cy="0"/>
-        </a:xfrm>
-      </p:grpSpPr>
-      <p:sp>
-        <p:nvSpPr>
-          <p:cNvPr id="236" name="Google Shape;236;p35"/>
-          <p:cNvSpPr txBox="1">
-            <a:spLocks noGrp="1"/>
-          </p:cNvSpPr>
-          <p:nvPr>
-            <p:ph type="title" idx="6"/>
-          </p:nvPr>
-        </p:nvSpPr>
-        <p:spPr>
-          <a:xfrm>
-            <a:off x="720000" y="539500"/>
-            <a:ext cx="7704000" cy="572700"/>
-          </a:xfrm>
-          <a:prstGeom prst="rect">
-            <a:avLst/>
-          </a:prstGeom>
-        </p:spPr>
-        <p:txBody>
-          <a:bodyPr spcFirstLastPara="1" wrap="square" lIns="91425" tIns="91425" rIns="91425" bIns="91425" anchor="t" anchorCtr="0">
-            <a:noAutofit/>
-          </a:bodyPr>
-          <a:lstStyle/>
-          <a:p>
-            <a:pPr marL="0" lvl="0" indent="0" algn="ctr" rtl="0">
-              <a:spcBef>
-                <a:spcPts val="0"/>
-              </a:spcBef>
-              <a:spcAft>
-                <a:spcPts val="0"/>
-              </a:spcAft>
-              <a:buNone/>
-            </a:pPr>
-            <a:r>
-              <a:rPr lang="pl-PL" dirty="0" err="1"/>
-              <a:t>Conclusions</a:t>
-            </a:r>
-            <a:endParaRPr dirty="0"/>
-          </a:p>
-        </p:txBody>
-      </p:sp>
-      <p:sp>
-        <p:nvSpPr>
-          <p:cNvPr id="239" name="Google Shape;239;p35"/>
-          <p:cNvSpPr txBox="1">
-            <a:spLocks noGrp="1"/>
-          </p:cNvSpPr>
-          <p:nvPr>
-            <p:ph type="title" idx="2"/>
-          </p:nvPr>
-        </p:nvSpPr>
-        <p:spPr>
-          <a:xfrm>
-            <a:off x="3403800" y="2784563"/>
-            <a:ext cx="2336400" cy="527700"/>
-          </a:xfrm>
-          <a:prstGeom prst="rect">
-            <a:avLst/>
-          </a:prstGeom>
-        </p:spPr>
-        <p:txBody>
-          <a:bodyPr spcFirstLastPara="1" wrap="square" lIns="91425" tIns="91425" rIns="91425" bIns="91425" anchor="b" anchorCtr="0">
-            <a:noAutofit/>
-          </a:bodyPr>
-          <a:lstStyle/>
-          <a:p>
-            <a:pPr marL="0" lvl="0" indent="0" algn="ctr" rtl="0">
-              <a:spcBef>
-                <a:spcPts val="0"/>
-              </a:spcBef>
-              <a:spcAft>
-                <a:spcPts val="0"/>
-              </a:spcAft>
-              <a:buNone/>
-            </a:pPr>
-            <a:r>
-              <a:rPr lang="pl-PL" dirty="0"/>
-              <a:t>5. </a:t>
-            </a:r>
-            <a:endParaRPr dirty="0"/>
-          </a:p>
-        </p:txBody>
-      </p:sp>
-      <p:sp>
-        <p:nvSpPr>
-          <p:cNvPr id="240" name="Google Shape;240;p35"/>
-          <p:cNvSpPr txBox="1">
-            <a:spLocks noGrp="1"/>
-          </p:cNvSpPr>
-          <p:nvPr>
-            <p:ph type="subTitle" idx="3"/>
-          </p:nvPr>
-        </p:nvSpPr>
-        <p:spPr>
-          <a:xfrm>
-            <a:off x="3403800" y="3242394"/>
-            <a:ext cx="2336400" cy="813300"/>
-          </a:xfrm>
-          <a:prstGeom prst="rect">
-            <a:avLst/>
-          </a:prstGeom>
-        </p:spPr>
-        <p:txBody>
-          <a:bodyPr spcFirstLastPara="1" wrap="square" lIns="91425" tIns="91425" rIns="91425" bIns="91425" anchor="t" anchorCtr="0">
-            <a:noAutofit/>
-          </a:bodyPr>
-          <a:lstStyle/>
-          <a:p>
-            <a:pPr marL="0" lvl="0" indent="0" algn="ctr" rtl="0">
-              <a:spcBef>
-                <a:spcPts val="0"/>
-              </a:spcBef>
-              <a:spcAft>
-                <a:spcPts val="0"/>
-              </a:spcAft>
-              <a:buNone/>
-            </a:pPr>
-            <a:r>
-              <a:rPr lang="pl-PL" dirty="0"/>
-              <a:t>opis</a:t>
-            </a:r>
-            <a:endParaRPr dirty="0"/>
-          </a:p>
-        </p:txBody>
-      </p:sp>
-      <p:sp>
-        <p:nvSpPr>
-          <p:cNvPr id="243" name="Google Shape;243;p35"/>
-          <p:cNvSpPr/>
-          <p:nvPr/>
-        </p:nvSpPr>
-        <p:spPr>
-          <a:xfrm>
-            <a:off x="3887710" y="1999727"/>
-            <a:ext cx="1368600" cy="813300"/>
-          </a:xfrm>
-          <a:prstGeom prst="roundRect">
-            <a:avLst>
-              <a:gd name="adj" fmla="val 50000"/>
-            </a:avLst>
-          </a:prstGeom>
-          <a:noFill/>
-          <a:ln w="38100" cap="flat" cmpd="sng">
-            <a:solidFill>
-              <a:srgbClr val="F6FEBA"/>
-            </a:solidFill>
-            <a:prstDash val="solid"/>
-            <a:round/>
-            <a:headEnd type="none" w="sm" len="sm"/>
-            <a:tailEnd type="none" w="sm" len="sm"/>
-          </a:ln>
-        </p:spPr>
-        <p:txBody>
-          <a:bodyPr spcFirstLastPara="1" wrap="square" lIns="91425" tIns="91425" rIns="91425" bIns="91425" anchor="ctr" anchorCtr="0">
-            <a:noAutofit/>
-          </a:bodyPr>
-          <a:lstStyle/>
-          <a:p>
-            <a:pPr marL="0" lvl="0" indent="0" algn="l" rtl="0">
-              <a:spcBef>
-                <a:spcPts val="0"/>
-              </a:spcBef>
-              <a:spcAft>
-                <a:spcPts val="0"/>
-              </a:spcAft>
-              <a:buNone/>
-            </a:pPr>
-            <a:endParaRPr>
-              <a:solidFill>
-                <a:schemeClr val="accent1"/>
-              </a:solidFill>
-            </a:endParaRPr>
-          </a:p>
-        </p:txBody>
-      </p:sp>
-      <p:cxnSp>
-        <p:nvCxnSpPr>
-          <p:cNvPr id="258" name="Google Shape;258;p35"/>
-          <p:cNvCxnSpPr/>
-          <p:nvPr/>
-        </p:nvCxnSpPr>
-        <p:spPr>
-          <a:xfrm>
-            <a:off x="4282600" y="1214850"/>
-            <a:ext cx="1390500" cy="0"/>
-          </a:xfrm>
-          <a:prstGeom prst="straightConnector1">
-            <a:avLst/>
-          </a:prstGeom>
-          <a:noFill/>
-          <a:ln w="38100" cap="flat" cmpd="sng">
-            <a:solidFill>
-              <a:schemeClr val="accent1"/>
-            </a:solidFill>
-            <a:prstDash val="solid"/>
-            <a:round/>
-            <a:headEnd type="none" w="med" len="med"/>
-            <a:tailEnd type="none" w="med" len="med"/>
-          </a:ln>
-        </p:spPr>
-      </p:cxnSp>
-    </p:spTree>
-    <p:extLst>
-      <p:ext uri="{BB962C8B-B14F-4D97-AF65-F5344CB8AC3E}">
-        <p14:creationId xmlns:p14="http://schemas.microsoft.com/office/powerpoint/2010/main" val="2350151355"/>
-      </p:ext>
-    </p:extLst>
-  </p:cSld>
-  <p:clrMapOvr>
-    <a:masterClrMapping/>
-  </p:clrMapOvr>
-</p:sld>
-</file>
-
-<file path=ppt/slides/slide49.xml><?xml version="1.0" encoding="utf-8"?>
-<p:sld xmlns:a="http://schemas.openxmlformats.org/drawingml/2006/main" xmlns:r="http://schemas.openxmlformats.org/officeDocument/2006/relationships" xmlns:p="http://schemas.openxmlformats.org/presentationml/2006/main">
-  <p:cSld>
-    <p:spTree>
-      <p:nvGrpSpPr>
-        <p:cNvPr id="1" name="Shape 605"/>
-        <p:cNvGrpSpPr/>
-        <p:nvPr/>
-      </p:nvGrpSpPr>
-      <p:grpSpPr>
-        <a:xfrm>
-          <a:off x="0" y="0"/>
-          <a:ext cx="0" cy="0"/>
-          <a:chOff x="0" y="0"/>
-          <a:chExt cx="0" cy="0"/>
-        </a:xfrm>
-      </p:grpSpPr>
-      <p:sp>
-        <p:nvSpPr>
-          <p:cNvPr id="606" name="Google Shape;606;p53"/>
-          <p:cNvSpPr txBox="1">
-            <a:spLocks noGrp="1"/>
-          </p:cNvSpPr>
-          <p:nvPr>
-            <p:ph type="title"/>
-          </p:nvPr>
-        </p:nvSpPr>
-        <p:spPr>
-          <a:xfrm>
-            <a:off x="720000" y="539500"/>
-            <a:ext cx="7704000" cy="572700"/>
-          </a:xfrm>
-          <a:prstGeom prst="rect">
-            <a:avLst/>
-          </a:prstGeom>
-        </p:spPr>
-        <p:txBody>
-          <a:bodyPr spcFirstLastPara="1" wrap="square" lIns="91425" tIns="91425" rIns="91425" bIns="91425" anchor="t" anchorCtr="0">
-            <a:noAutofit/>
-          </a:bodyPr>
-          <a:lstStyle/>
-          <a:p>
-            <a:pPr marL="0" lvl="0" indent="0" algn="ctr" rtl="0">
-              <a:spcBef>
-                <a:spcPts val="0"/>
-              </a:spcBef>
-              <a:spcAft>
-                <a:spcPts val="0"/>
-              </a:spcAft>
-              <a:buNone/>
-            </a:pPr>
-            <a:r>
-              <a:rPr lang="pl-PL" dirty="0" err="1"/>
-              <a:t>Bibliography</a:t>
-            </a:r>
-            <a:endParaRPr b="1" dirty="0"/>
-          </a:p>
-        </p:txBody>
-      </p:sp>
-      <p:sp>
-        <p:nvSpPr>
-          <p:cNvPr id="607" name="Google Shape;607;p53"/>
-          <p:cNvSpPr txBox="1">
-            <a:spLocks noGrp="1"/>
-          </p:cNvSpPr>
-          <p:nvPr>
-            <p:ph type="body" idx="1"/>
-          </p:nvPr>
-        </p:nvSpPr>
-        <p:spPr>
-          <a:xfrm>
-            <a:off x="2194800" y="1457275"/>
-            <a:ext cx="4754400" cy="2933700"/>
-          </a:xfrm>
-          <a:prstGeom prst="rect">
-            <a:avLst/>
-          </a:prstGeom>
-        </p:spPr>
-        <p:txBody>
-          <a:bodyPr spcFirstLastPara="1" wrap="square" lIns="91425" tIns="91425" rIns="91425" bIns="91425" anchor="t" anchorCtr="0">
-            <a:noAutofit/>
-          </a:bodyPr>
-          <a:lstStyle/>
-          <a:p>
-            <a:pPr marL="457200" lvl="0" indent="-317500" algn="l" rtl="0">
-              <a:spcBef>
-                <a:spcPts val="1600"/>
-              </a:spcBef>
-              <a:spcAft>
-                <a:spcPts val="0"/>
-              </a:spcAft>
-              <a:buSzPts val="1400"/>
-              <a:buChar char="●"/>
-            </a:pPr>
-            <a:r>
-              <a:rPr lang="pl-PL" sz="1200" b="0" i="0" u="sng" dirty="0">
-                <a:solidFill>
-                  <a:srgbClr val="000000"/>
-                </a:solidFill>
-                <a:effectLst/>
-                <a:latin typeface="Segoe UI Historic" panose="020B0502040204020203" pitchFamily="34" charset="0"/>
-                <a:hlinkClick r:id="rId3">
-                  <a:extLst>
-                    <a:ext uri="{A12FA001-AC4F-418D-AE19-62706E023703}">
-                      <ahyp:hlinkClr xmlns:ahyp="http://schemas.microsoft.com/office/drawing/2018/hyperlinkcolor" val="tx"/>
-                    </a:ext>
-                  </a:extLst>
-                </a:hlinkClick>
-              </a:rPr>
-              <a:t>https://openaccess.thecvf.com/content_ECCVW_2018/papers/11134/Xie_Pre-training_on_Grayscale_ImageNet_Improves_Medical_Image_Classification_ECCVW_2018_paper.</a:t>
-            </a:r>
-            <a:r>
-              <a:rPr lang="pl-PL" sz="1200" b="0" i="0" u="sng" dirty="0">
-                <a:solidFill>
-                  <a:schemeClr val="tx1"/>
-                </a:solidFill>
-                <a:effectLst/>
-                <a:latin typeface="Segoe UI Historic" panose="020B0502040204020203" pitchFamily="34" charset="0"/>
-                <a:hlinkClick r:id="rId3">
-                  <a:extLst>
-                    <a:ext uri="{A12FA001-AC4F-418D-AE19-62706E023703}">
-                      <ahyp:hlinkClr xmlns:ahyp="http://schemas.microsoft.com/office/drawing/2018/hyperlinkcolor" val="tx"/>
-                    </a:ext>
-                  </a:extLst>
-                </a:hlinkClick>
-              </a:rPr>
-              <a:t>pdf</a:t>
-            </a:r>
-            <a:endParaRPr lang="pl-PL" sz="1200" b="0" i="0" u="sng" dirty="0">
-              <a:solidFill>
-                <a:schemeClr val="tx1"/>
-              </a:solidFill>
-              <a:effectLst/>
-              <a:latin typeface="Segoe UI Historic" panose="020B0502040204020203" pitchFamily="34" charset="0"/>
-            </a:endParaRPr>
-          </a:p>
-          <a:p>
-            <a:pPr marL="457200" lvl="0" indent="-317500" algn="l" rtl="0">
-              <a:spcBef>
-                <a:spcPts val="1600"/>
-              </a:spcBef>
-              <a:spcAft>
-                <a:spcPts val="0"/>
-              </a:spcAft>
-              <a:buSzPts val="1400"/>
-              <a:buChar char="●"/>
-            </a:pPr>
-            <a:r>
-              <a:rPr lang="pl-PL" sz="1200" u="sng" dirty="0">
-                <a:solidFill>
-                  <a:schemeClr val="tx1"/>
-                </a:solidFill>
-                <a:latin typeface="Segoe UI Historic" panose="020B0502040204020203" pitchFamily="34" charset="0"/>
-                <a:hlinkClick r:id="rId4">
-                  <a:extLst>
-                    <a:ext uri="{A12FA001-AC4F-418D-AE19-62706E023703}">
-                      <ahyp:hlinkClr xmlns:ahyp="http://schemas.microsoft.com/office/drawing/2018/hyperlinkcolor" val="tx"/>
-                    </a:ext>
-                  </a:extLst>
-                </a:hlinkClick>
-              </a:rPr>
-              <a:t>https://arxiv.org/pdf/2103.08945.pdf?fbclid=IwAR0RWq2p8IqSrZo1V7etNz-vaSQOPeP25OBKmP3O5mZR3w1cJ2JoUdppOjE</a:t>
-            </a:r>
-            <a:endParaRPr lang="pl-PL" sz="1200" u="sng" dirty="0">
-              <a:solidFill>
-                <a:schemeClr val="tx1"/>
-              </a:solidFill>
-              <a:latin typeface="Segoe UI Historic" panose="020B0502040204020203" pitchFamily="34" charset="0"/>
-            </a:endParaRPr>
-          </a:p>
-          <a:p>
-            <a:pPr marL="457200" lvl="0" indent="-317500" algn="l" rtl="0">
-              <a:spcBef>
-                <a:spcPts val="1600"/>
-              </a:spcBef>
-              <a:spcAft>
-                <a:spcPts val="0"/>
-              </a:spcAft>
-              <a:buSzPts val="1400"/>
-              <a:buChar char="●"/>
-            </a:pPr>
-            <a:r>
-              <a:rPr lang="pl-PL" sz="1200" u="sng" dirty="0">
-                <a:solidFill>
-                  <a:schemeClr val="tx1"/>
-                </a:solidFill>
-                <a:latin typeface="Segoe UI Historic" panose="020B0502040204020203" pitchFamily="34" charset="0"/>
-              </a:rPr>
-              <a:t>https://arxiv.org/pdf/2012.02364.pdf?fbclid=IwAR2PMr_Ta2ECayeGBGBWCwOgORG0of5OEYDXNPSvKG5cVl6okKVxeUYD1kw</a:t>
-            </a:r>
-          </a:p>
-          <a:p>
-            <a:pPr marL="457200" lvl="0" indent="-317500" algn="l" rtl="0">
-              <a:spcBef>
-                <a:spcPts val="1600"/>
-              </a:spcBef>
-              <a:spcAft>
-                <a:spcPts val="0"/>
-              </a:spcAft>
-              <a:buSzPts val="1400"/>
-              <a:buChar char="●"/>
-            </a:pPr>
-            <a:endParaRPr sz="1200" b="1" dirty="0">
-              <a:solidFill>
-                <a:schemeClr val="tx1"/>
-              </a:solidFill>
-              <a:latin typeface="Proxima Nova"/>
-              <a:ea typeface="Proxima Nova"/>
-              <a:cs typeface="Proxima Nova"/>
-              <a:sym typeface="Proxima Nova"/>
-            </a:endParaRPr>
-          </a:p>
-        </p:txBody>
-      </p:sp>
-      <p:cxnSp>
-        <p:nvCxnSpPr>
-          <p:cNvPr id="608" name="Google Shape;608;p53"/>
-          <p:cNvCxnSpPr/>
-          <p:nvPr/>
-        </p:nvCxnSpPr>
-        <p:spPr>
-          <a:xfrm>
-            <a:off x="4729050" y="1214850"/>
-            <a:ext cx="2254200" cy="0"/>
-          </a:xfrm>
-          <a:prstGeom prst="straightConnector1">
-            <a:avLst/>
-          </a:prstGeom>
-          <a:noFill/>
-          <a:ln w="38100" cap="flat" cmpd="sng">
-            <a:solidFill>
-              <a:schemeClr val="lt2"/>
-            </a:solidFill>
-            <a:prstDash val="solid"/>
-            <a:round/>
-            <a:headEnd type="none" w="med" len="med"/>
-            <a:tailEnd type="none" w="med" len="med"/>
-          </a:ln>
-        </p:spPr>
-      </p:cxnSp>
-    </p:spTree>
-    <p:extLst>
-      <p:ext uri="{BB962C8B-B14F-4D97-AF65-F5344CB8AC3E}">
-        <p14:creationId xmlns:p14="http://schemas.microsoft.com/office/powerpoint/2010/main" val="2024393655"/>
       </p:ext>
     </p:extLst>
   </p:cSld>
@@ -39057,6 +39248,491 @@
 </file>
 
 <file path=ppt/slides/slide50.xml><?xml version="1.0" encoding="utf-8"?>
+<p:sld xmlns:a="http://schemas.openxmlformats.org/drawingml/2006/main" xmlns:r="http://schemas.openxmlformats.org/officeDocument/2006/relationships" xmlns:p="http://schemas.openxmlformats.org/presentationml/2006/main">
+  <p:cSld>
+    <p:spTree>
+      <p:nvGrpSpPr>
+        <p:cNvPr id="1" name="Shape 235"/>
+        <p:cNvGrpSpPr/>
+        <p:nvPr/>
+      </p:nvGrpSpPr>
+      <p:grpSpPr>
+        <a:xfrm>
+          <a:off x="0" y="0"/>
+          <a:ext cx="0" cy="0"/>
+          <a:chOff x="0" y="0"/>
+          <a:chExt cx="0" cy="0"/>
+        </a:xfrm>
+      </p:grpSpPr>
+      <p:sp>
+        <p:nvSpPr>
+          <p:cNvPr id="236" name="Google Shape;236;p35"/>
+          <p:cNvSpPr txBox="1">
+            <a:spLocks noGrp="1"/>
+          </p:cNvSpPr>
+          <p:nvPr>
+            <p:ph type="title" idx="6"/>
+          </p:nvPr>
+        </p:nvSpPr>
+        <p:spPr>
+          <a:xfrm>
+            <a:off x="720000" y="539500"/>
+            <a:ext cx="7704000" cy="572700"/>
+          </a:xfrm>
+          <a:prstGeom prst="rect">
+            <a:avLst/>
+          </a:prstGeom>
+        </p:spPr>
+        <p:txBody>
+          <a:bodyPr spcFirstLastPara="1" wrap="square" lIns="91425" tIns="91425" rIns="91425" bIns="91425" anchor="t" anchorCtr="0">
+            <a:noAutofit/>
+          </a:bodyPr>
+          <a:lstStyle/>
+          <a:p>
+            <a:pPr marL="0" lvl="0" indent="0" algn="ctr" rtl="0">
+              <a:spcBef>
+                <a:spcPts val="0"/>
+              </a:spcBef>
+              <a:spcAft>
+                <a:spcPts val="0"/>
+              </a:spcAft>
+              <a:buNone/>
+            </a:pPr>
+            <a:r>
+              <a:rPr lang="pl-PL" dirty="0" err="1"/>
+              <a:t>Conclusions</a:t>
+            </a:r>
+            <a:endParaRPr dirty="0"/>
+          </a:p>
+        </p:txBody>
+      </p:sp>
+      <p:sp>
+        <p:nvSpPr>
+          <p:cNvPr id="239" name="Google Shape;239;p35"/>
+          <p:cNvSpPr txBox="1">
+            <a:spLocks noGrp="1"/>
+          </p:cNvSpPr>
+          <p:nvPr>
+            <p:ph type="title" idx="2"/>
+          </p:nvPr>
+        </p:nvSpPr>
+        <p:spPr>
+          <a:xfrm>
+            <a:off x="3403800" y="2784563"/>
+            <a:ext cx="2336400" cy="527700"/>
+          </a:xfrm>
+          <a:prstGeom prst="rect">
+            <a:avLst/>
+          </a:prstGeom>
+        </p:spPr>
+        <p:txBody>
+          <a:bodyPr spcFirstLastPara="1" wrap="square" lIns="91425" tIns="91425" rIns="91425" bIns="91425" anchor="b" anchorCtr="0">
+            <a:noAutofit/>
+          </a:bodyPr>
+          <a:lstStyle/>
+          <a:p>
+            <a:pPr marL="0" lvl="0" indent="0" algn="ctr" rtl="0">
+              <a:spcBef>
+                <a:spcPts val="0"/>
+              </a:spcBef>
+              <a:spcAft>
+                <a:spcPts val="0"/>
+              </a:spcAft>
+              <a:buNone/>
+            </a:pPr>
+            <a:r>
+              <a:rPr lang="pl-PL" dirty="0"/>
+              <a:t>5. </a:t>
+            </a:r>
+            <a:endParaRPr dirty="0"/>
+          </a:p>
+        </p:txBody>
+      </p:sp>
+      <p:sp>
+        <p:nvSpPr>
+          <p:cNvPr id="240" name="Google Shape;240;p35"/>
+          <p:cNvSpPr txBox="1">
+            <a:spLocks noGrp="1"/>
+          </p:cNvSpPr>
+          <p:nvPr>
+            <p:ph type="subTitle" idx="3"/>
+          </p:nvPr>
+        </p:nvSpPr>
+        <p:spPr>
+          <a:xfrm>
+            <a:off x="3403800" y="3242394"/>
+            <a:ext cx="2336400" cy="813300"/>
+          </a:xfrm>
+          <a:prstGeom prst="rect">
+            <a:avLst/>
+          </a:prstGeom>
+        </p:spPr>
+        <p:txBody>
+          <a:bodyPr spcFirstLastPara="1" wrap="square" lIns="91425" tIns="91425" rIns="91425" bIns="91425" anchor="t" anchorCtr="0">
+            <a:noAutofit/>
+          </a:bodyPr>
+          <a:lstStyle/>
+          <a:p>
+            <a:pPr marL="0" lvl="0" indent="0" algn="ctr" rtl="0">
+              <a:spcBef>
+                <a:spcPts val="0"/>
+              </a:spcBef>
+              <a:spcAft>
+                <a:spcPts val="0"/>
+              </a:spcAft>
+              <a:buNone/>
+            </a:pPr>
+            <a:r>
+              <a:rPr lang="pl-PL" dirty="0"/>
+              <a:t>opis</a:t>
+            </a:r>
+            <a:endParaRPr dirty="0"/>
+          </a:p>
+        </p:txBody>
+      </p:sp>
+      <p:sp>
+        <p:nvSpPr>
+          <p:cNvPr id="243" name="Google Shape;243;p35"/>
+          <p:cNvSpPr/>
+          <p:nvPr/>
+        </p:nvSpPr>
+        <p:spPr>
+          <a:xfrm>
+            <a:off x="3887710" y="1999727"/>
+            <a:ext cx="1368600" cy="813300"/>
+          </a:xfrm>
+          <a:prstGeom prst="roundRect">
+            <a:avLst>
+              <a:gd name="adj" fmla="val 50000"/>
+            </a:avLst>
+          </a:prstGeom>
+          <a:noFill/>
+          <a:ln w="38100" cap="flat" cmpd="sng">
+            <a:solidFill>
+              <a:srgbClr val="F6FEBA"/>
+            </a:solidFill>
+            <a:prstDash val="solid"/>
+            <a:round/>
+            <a:headEnd type="none" w="sm" len="sm"/>
+            <a:tailEnd type="none" w="sm" len="sm"/>
+          </a:ln>
+        </p:spPr>
+        <p:txBody>
+          <a:bodyPr spcFirstLastPara="1" wrap="square" lIns="91425" tIns="91425" rIns="91425" bIns="91425" anchor="ctr" anchorCtr="0">
+            <a:noAutofit/>
+          </a:bodyPr>
+          <a:lstStyle/>
+          <a:p>
+            <a:pPr marL="0" lvl="0" indent="0" algn="l" rtl="0">
+              <a:spcBef>
+                <a:spcPts val="0"/>
+              </a:spcBef>
+              <a:spcAft>
+                <a:spcPts val="0"/>
+              </a:spcAft>
+              <a:buNone/>
+            </a:pPr>
+            <a:endParaRPr>
+              <a:solidFill>
+                <a:schemeClr val="accent1"/>
+              </a:solidFill>
+            </a:endParaRPr>
+          </a:p>
+        </p:txBody>
+      </p:sp>
+      <p:cxnSp>
+        <p:nvCxnSpPr>
+          <p:cNvPr id="258" name="Google Shape;258;p35"/>
+          <p:cNvCxnSpPr/>
+          <p:nvPr/>
+        </p:nvCxnSpPr>
+        <p:spPr>
+          <a:xfrm>
+            <a:off x="4282600" y="1214850"/>
+            <a:ext cx="1390500" cy="0"/>
+          </a:xfrm>
+          <a:prstGeom prst="straightConnector1">
+            <a:avLst/>
+          </a:prstGeom>
+          <a:noFill/>
+          <a:ln w="38100" cap="flat" cmpd="sng">
+            <a:solidFill>
+              <a:schemeClr val="accent1"/>
+            </a:solidFill>
+            <a:prstDash val="solid"/>
+            <a:round/>
+            <a:headEnd type="none" w="med" len="med"/>
+            <a:tailEnd type="none" w="med" len="med"/>
+          </a:ln>
+        </p:spPr>
+      </p:cxnSp>
+    </p:spTree>
+    <p:extLst>
+      <p:ext uri="{BB962C8B-B14F-4D97-AF65-F5344CB8AC3E}">
+        <p14:creationId xmlns:p14="http://schemas.microsoft.com/office/powerpoint/2010/main" val="2350151355"/>
+      </p:ext>
+    </p:extLst>
+  </p:cSld>
+  <p:clrMapOvr>
+    <a:masterClrMapping/>
+  </p:clrMapOvr>
+</p:sld>
+</file>
+
+<file path=ppt/slides/slide51.xml><?xml version="1.0" encoding="utf-8"?>
+<p:sld xmlns:a="http://schemas.openxmlformats.org/drawingml/2006/main" xmlns:r="http://schemas.openxmlformats.org/officeDocument/2006/relationships" xmlns:p="http://schemas.openxmlformats.org/presentationml/2006/main">
+  <p:cSld>
+    <p:spTree>
+      <p:nvGrpSpPr>
+        <p:cNvPr id="1" name="Shape 605"/>
+        <p:cNvGrpSpPr/>
+        <p:nvPr/>
+      </p:nvGrpSpPr>
+      <p:grpSpPr>
+        <a:xfrm>
+          <a:off x="0" y="0"/>
+          <a:ext cx="0" cy="0"/>
+          <a:chOff x="0" y="0"/>
+          <a:chExt cx="0" cy="0"/>
+        </a:xfrm>
+      </p:grpSpPr>
+      <p:sp>
+        <p:nvSpPr>
+          <p:cNvPr id="606" name="Google Shape;606;p53"/>
+          <p:cNvSpPr txBox="1">
+            <a:spLocks noGrp="1"/>
+          </p:cNvSpPr>
+          <p:nvPr>
+            <p:ph type="title"/>
+          </p:nvPr>
+        </p:nvSpPr>
+        <p:spPr>
+          <a:xfrm>
+            <a:off x="720000" y="539500"/>
+            <a:ext cx="7704000" cy="572700"/>
+          </a:xfrm>
+          <a:prstGeom prst="rect">
+            <a:avLst/>
+          </a:prstGeom>
+        </p:spPr>
+        <p:txBody>
+          <a:bodyPr spcFirstLastPara="1" wrap="square" lIns="91425" tIns="91425" rIns="91425" bIns="91425" anchor="t" anchorCtr="0">
+            <a:noAutofit/>
+          </a:bodyPr>
+          <a:lstStyle/>
+          <a:p>
+            <a:pPr marL="0" lvl="0" indent="0" algn="ctr" rtl="0">
+              <a:spcBef>
+                <a:spcPts val="0"/>
+              </a:spcBef>
+              <a:spcAft>
+                <a:spcPts val="0"/>
+              </a:spcAft>
+              <a:buNone/>
+            </a:pPr>
+            <a:r>
+              <a:rPr lang="pl-PL" dirty="0" err="1"/>
+              <a:t>Bibliography</a:t>
+            </a:r>
+            <a:endParaRPr b="1" dirty="0"/>
+          </a:p>
+        </p:txBody>
+      </p:sp>
+      <p:sp>
+        <p:nvSpPr>
+          <p:cNvPr id="607" name="Google Shape;607;p53"/>
+          <p:cNvSpPr txBox="1">
+            <a:spLocks noGrp="1"/>
+          </p:cNvSpPr>
+          <p:nvPr>
+            <p:ph type="body" idx="1"/>
+          </p:nvPr>
+        </p:nvSpPr>
+        <p:spPr>
+          <a:xfrm>
+            <a:off x="2194800" y="1457275"/>
+            <a:ext cx="4754400" cy="2933700"/>
+          </a:xfrm>
+          <a:prstGeom prst="rect">
+            <a:avLst/>
+          </a:prstGeom>
+        </p:spPr>
+        <p:txBody>
+          <a:bodyPr spcFirstLastPara="1" wrap="square" lIns="91425" tIns="91425" rIns="91425" bIns="91425" anchor="t" anchorCtr="0">
+            <a:noAutofit/>
+          </a:bodyPr>
+          <a:lstStyle/>
+          <a:p>
+            <a:pPr marL="457200" lvl="0" indent="-317500" algn="l" rtl="0">
+              <a:spcBef>
+                <a:spcPts val="1600"/>
+              </a:spcBef>
+              <a:spcAft>
+                <a:spcPts val="0"/>
+              </a:spcAft>
+              <a:buSzPts val="1400"/>
+              <a:buChar char="●"/>
+            </a:pPr>
+            <a:r>
+              <a:rPr lang="pl-PL" sz="1200" b="0" i="0" u="sng" dirty="0">
+                <a:solidFill>
+                  <a:srgbClr val="000000"/>
+                </a:solidFill>
+                <a:effectLst/>
+                <a:latin typeface="Segoe UI Historic" panose="020B0502040204020203" pitchFamily="34" charset="0"/>
+                <a:hlinkClick r:id="rId3">
+                  <a:extLst>
+                    <a:ext uri="{A12FA001-AC4F-418D-AE19-62706E023703}">
+                      <ahyp:hlinkClr xmlns:ahyp="http://schemas.microsoft.com/office/drawing/2018/hyperlinkcolor" val="tx"/>
+                    </a:ext>
+                  </a:extLst>
+                </a:hlinkClick>
+              </a:rPr>
+              <a:t>https://openaccess.thecvf.com/content_ECCVW_2018/papers/11134/Xie_Pre-training_on_Grayscale_ImageNet_Improves_Medical_Image_Classification_ECCVW_2018_paper.</a:t>
+            </a:r>
+            <a:r>
+              <a:rPr lang="pl-PL" sz="1200" b="0" i="0" u="sng" dirty="0">
+                <a:solidFill>
+                  <a:schemeClr val="tx1"/>
+                </a:solidFill>
+                <a:effectLst/>
+                <a:latin typeface="Segoe UI Historic" panose="020B0502040204020203" pitchFamily="34" charset="0"/>
+                <a:hlinkClick r:id="rId3">
+                  <a:extLst>
+                    <a:ext uri="{A12FA001-AC4F-418D-AE19-62706E023703}">
+                      <ahyp:hlinkClr xmlns:ahyp="http://schemas.microsoft.com/office/drawing/2018/hyperlinkcolor" val="tx"/>
+                    </a:ext>
+                  </a:extLst>
+                </a:hlinkClick>
+              </a:rPr>
+              <a:t>pdf</a:t>
+            </a:r>
+            <a:endParaRPr lang="pl-PL" sz="1200" b="0" i="0" u="sng" dirty="0">
+              <a:solidFill>
+                <a:schemeClr val="tx1"/>
+              </a:solidFill>
+              <a:effectLst/>
+              <a:latin typeface="Segoe UI Historic" panose="020B0502040204020203" pitchFamily="34" charset="0"/>
+            </a:endParaRPr>
+          </a:p>
+          <a:p>
+            <a:pPr marL="457200" lvl="0" indent="-317500" algn="l" rtl="0">
+              <a:spcBef>
+                <a:spcPts val="1600"/>
+              </a:spcBef>
+              <a:spcAft>
+                <a:spcPts val="0"/>
+              </a:spcAft>
+              <a:buSzPts val="1400"/>
+              <a:buChar char="●"/>
+            </a:pPr>
+            <a:r>
+              <a:rPr lang="pl-PL" sz="1200" u="sng" dirty="0">
+                <a:solidFill>
+                  <a:schemeClr val="tx1"/>
+                </a:solidFill>
+                <a:latin typeface="Segoe UI Historic" panose="020B0502040204020203" pitchFamily="34" charset="0"/>
+                <a:hlinkClick r:id="rId4">
+                  <a:extLst>
+                    <a:ext uri="{A12FA001-AC4F-418D-AE19-62706E023703}">
+                      <ahyp:hlinkClr xmlns:ahyp="http://schemas.microsoft.com/office/drawing/2018/hyperlinkcolor" val="tx"/>
+                    </a:ext>
+                  </a:extLst>
+                </a:hlinkClick>
+              </a:rPr>
+              <a:t>https://arxiv.org/pdf/2103.08945.pdf?fbclid=IwAR0RWq2p8IqSrZo1V7etNz-vaSQOPeP25OBKmP3O5mZR3w1cJ2JoUdppOjE</a:t>
+            </a:r>
+            <a:endParaRPr lang="pl-PL" sz="1200" u="sng" dirty="0">
+              <a:solidFill>
+                <a:schemeClr val="tx1"/>
+              </a:solidFill>
+              <a:latin typeface="Segoe UI Historic" panose="020B0502040204020203" pitchFamily="34" charset="0"/>
+            </a:endParaRPr>
+          </a:p>
+          <a:p>
+            <a:pPr marL="457200" lvl="0" indent="-317500" algn="l" rtl="0">
+              <a:spcBef>
+                <a:spcPts val="1600"/>
+              </a:spcBef>
+              <a:spcAft>
+                <a:spcPts val="0"/>
+              </a:spcAft>
+              <a:buSzPts val="1400"/>
+              <a:buChar char="●"/>
+            </a:pPr>
+            <a:r>
+              <a:rPr lang="pl-PL" sz="1200" u="sng" dirty="0">
+                <a:solidFill>
+                  <a:schemeClr val="tx1"/>
+                </a:solidFill>
+                <a:latin typeface="Segoe UI Historic" panose="020B0502040204020203" pitchFamily="34" charset="0"/>
+              </a:rPr>
+              <a:t>https://arxiv.org/pdf/2012.02364.pdf?fbclid=IwAR2PMr_Ta2ECayeGBGBWCwOgORG0of5OEYDXNPSvKG5cVl6okKVxeUYD1kw</a:t>
+            </a:r>
+          </a:p>
+          <a:p>
+            <a:pPr marL="457200" lvl="0" indent="-317500" algn="l" rtl="0">
+              <a:spcBef>
+                <a:spcPts val="1600"/>
+              </a:spcBef>
+              <a:spcAft>
+                <a:spcPts val="0"/>
+              </a:spcAft>
+              <a:buSzPts val="1400"/>
+              <a:buChar char="●"/>
+            </a:pPr>
+            <a:endParaRPr sz="1200" b="1" dirty="0">
+              <a:solidFill>
+                <a:schemeClr val="tx1"/>
+              </a:solidFill>
+              <a:latin typeface="Proxima Nova"/>
+              <a:ea typeface="Proxima Nova"/>
+              <a:cs typeface="Proxima Nova"/>
+              <a:sym typeface="Proxima Nova"/>
+            </a:endParaRPr>
+          </a:p>
+        </p:txBody>
+      </p:sp>
+      <p:cxnSp>
+        <p:nvCxnSpPr>
+          <p:cNvPr id="608" name="Google Shape;608;p53"/>
+          <p:cNvCxnSpPr/>
+          <p:nvPr/>
+        </p:nvCxnSpPr>
+        <p:spPr>
+          <a:xfrm>
+            <a:off x="4729050" y="1214850"/>
+            <a:ext cx="2254200" cy="0"/>
+          </a:xfrm>
+          <a:prstGeom prst="straightConnector1">
+            <a:avLst/>
+          </a:prstGeom>
+          <a:noFill/>
+          <a:ln w="38100" cap="flat" cmpd="sng">
+            <a:solidFill>
+              <a:schemeClr val="lt2"/>
+            </a:solidFill>
+            <a:prstDash val="solid"/>
+            <a:round/>
+            <a:headEnd type="none" w="med" len="med"/>
+            <a:tailEnd type="none" w="med" len="med"/>
+          </a:ln>
+        </p:spPr>
+      </p:cxnSp>
+    </p:spTree>
+    <p:extLst>
+      <p:ext uri="{BB962C8B-B14F-4D97-AF65-F5344CB8AC3E}">
+        <p14:creationId xmlns:p14="http://schemas.microsoft.com/office/powerpoint/2010/main" val="2024393655"/>
+      </p:ext>
+    </p:extLst>
+  </p:cSld>
+  <p:clrMapOvr>
+    <a:masterClrMapping/>
+  </p:clrMapOvr>
+</p:sld>
+</file>
+
+<file path=ppt/slides/slide52.xml><?xml version="1.0" encoding="utf-8"?>
 <p:sld xmlns:a="http://schemas.openxmlformats.org/drawingml/2006/main" xmlns:r="http://schemas.openxmlformats.org/officeDocument/2006/relationships" xmlns:p="http://schemas.openxmlformats.org/presentationml/2006/main">
   <p:cSld>
     <p:spTree>

--- a/final_presentation_anomaly_detection_new.pptx
+++ b/final_presentation_anomaly_detection_new.pptx
@@ -46,7 +46,7 @@
     <p:sldId id="352" r:id="rId37"/>
     <p:sldId id="356" r:id="rId38"/>
     <p:sldId id="357" r:id="rId39"/>
-    <p:sldId id="353" r:id="rId40"/>
+    <p:sldId id="358" r:id="rId40"/>
     <p:sldId id="347" r:id="rId41"/>
     <p:sldId id="348" r:id="rId42"/>
     <p:sldId id="351" r:id="rId43"/>
@@ -31531,10 +31531,10 @@
               <a:t>normalization</a:t>
             </a:r>
             <a:br>
-              <a:rPr lang="pl-PL" sz="1800" dirty="0"/>
+              <a:rPr lang="pl-PL" sz="1200" dirty="0"/>
             </a:br>
             <a:br>
-              <a:rPr lang="pl-PL" sz="1800" dirty="0"/>
+              <a:rPr lang="pl-PL" sz="1200" dirty="0"/>
             </a:br>
             <a:r>
               <a:rPr lang="pl-PL" dirty="0" err="1"/>
@@ -31542,8 +31542,31 @@
             </a:r>
             <a:r>
               <a:rPr lang="pl-PL" dirty="0"/>
-              <a:t> functions</a:t>
+              <a:t> </a:t>
             </a:r>
+            <a:r>
+              <a:rPr lang="pl-PL" dirty="0" err="1"/>
+              <a:t>functions</a:t>
+            </a:r>
+            <a:br>
+              <a:rPr lang="pl-PL" sz="1600" dirty="0"/>
+            </a:br>
+            <a:br>
+              <a:rPr lang="pl-PL" sz="1600" dirty="0"/>
+            </a:br>
+            <a:r>
+              <a:rPr lang="pl-PL" sz="1800" dirty="0"/>
+              <a:t>(10 </a:t>
+            </a:r>
+            <a:r>
+              <a:rPr lang="pl-PL" sz="1800" dirty="0" err="1"/>
+              <a:t>epochs</a:t>
+            </a:r>
+            <a:r>
+              <a:rPr lang="pl-PL" sz="1800" dirty="0"/>
+              <a:t>)</a:t>
+            </a:r>
+            <a:endParaRPr lang="pl-PL" dirty="0"/>
           </a:p>
         </p:txBody>
       </p:sp>
@@ -31697,7 +31720,7 @@
     </p:spTree>
     <p:extLst>
       <p:ext uri="{BB962C8B-B14F-4D97-AF65-F5344CB8AC3E}">
-        <p14:creationId xmlns:p14="http://schemas.microsoft.com/office/powerpoint/2010/main" val="511686208"/>
+        <p14:creationId xmlns:p14="http://schemas.microsoft.com/office/powerpoint/2010/main" val="3720528262"/>
       </p:ext>
     </p:extLst>
   </p:cSld>

--- a/final_presentation_anomaly_detection_new.pptx
+++ b/final_presentation_anomaly_detection_new.pptx
@@ -32494,15 +32494,48 @@
           <a:lstStyle/>
           <a:p>
             <a:r>
+              <a:rPr lang="pl-PL" sz="2400" dirty="0" err="1"/>
+              <a:t>more</a:t>
+            </a:r>
+            <a:r>
               <a:rPr lang="pl-PL" sz="2400" dirty="0"/>
-              <a:t>More epochs?</a:t>
+              <a:t> </a:t>
             </a:r>
+            <a:r>
+              <a:rPr lang="pl-PL" sz="2400" dirty="0" err="1"/>
+              <a:t>epochs</a:t>
+            </a:r>
+            <a:endParaRPr lang="pl-PL" sz="2400" dirty="0"/>
           </a:p>
           <a:p>
             <a:r>
               <a:rPr lang="pl-PL" sz="2400" dirty="0"/>
-              <a:t>...</a:t>
+              <a:t>the </a:t>
             </a:r>
+            <a:r>
+              <a:rPr lang="en-US" sz="2400" dirty="0"/>
+              <a:t>number of neurons</a:t>
+            </a:r>
+            <a:r>
+              <a:rPr lang="pl-PL" sz="2400" dirty="0"/>
+              <a:t> </a:t>
+            </a:r>
+            <a:r>
+              <a:rPr lang="pl-PL" sz="2400" dirty="0" err="1"/>
+              <a:t>manipulation</a:t>
+            </a:r>
+            <a:endParaRPr lang="pl-PL" sz="2400" dirty="0"/>
+          </a:p>
+          <a:p>
+            <a:r>
+              <a:rPr lang="pl-PL" sz="2400" dirty="0"/>
+              <a:t>data </a:t>
+            </a:r>
+            <a:r>
+              <a:rPr lang="pl-PL" sz="2400" dirty="0" err="1"/>
+              <a:t>augmentation</a:t>
+            </a:r>
+            <a:endParaRPr lang="pl-PL" sz="2400" dirty="0"/>
           </a:p>
         </p:txBody>
       </p:sp>

--- a/final_presentation_anomaly_detection_new.pptx
+++ b/final_presentation_anomaly_detection_new.pptx
@@ -32509,20 +32509,24 @@
           </a:p>
           <a:p>
             <a:r>
-              <a:rPr lang="pl-PL" sz="2400" dirty="0"/>
-              <a:t>the </a:t>
-            </a:r>
-            <a:r>
-              <a:rPr lang="en-US" sz="2400" dirty="0"/>
-              <a:t>number of neurons</a:t>
+              <a:rPr lang="pl-PL" sz="2400" dirty="0" err="1"/>
+              <a:t>manipulation</a:t>
             </a:r>
             <a:r>
               <a:rPr lang="pl-PL" sz="2400" dirty="0"/>
-              <a:t> </a:t>
+              <a:t> of the </a:t>
             </a:r>
             <a:r>
               <a:rPr lang="pl-PL" sz="2400" dirty="0" err="1"/>
-              <a:t>manipulation</a:t>
+              <a:t>number</a:t>
+            </a:r>
+            <a:r>
+              <a:rPr lang="pl-PL" sz="2400" dirty="0"/>
+              <a:t> of </a:t>
+            </a:r>
+            <a:r>
+              <a:rPr lang="pl-PL" sz="2400" dirty="0" err="1"/>
+              <a:t>neurons</a:t>
             </a:r>
             <a:endParaRPr lang="pl-PL" sz="2400" dirty="0"/>
           </a:p>

--- a/final_presentation_anomaly_detection_new.pptx
+++ b/final_presentation_anomaly_detection_new.pptx
@@ -23954,10 +23954,10 @@
               <a:buNone/>
             </a:pPr>
             <a:r>
-              <a:rPr lang="en"/>
+              <a:rPr lang="en" dirty="0"/>
               <a:t>01</a:t>
             </a:r>
-            <a:endParaRPr/>
+            <a:endParaRPr dirty="0"/>
           </a:p>
         </p:txBody>
       </p:sp>
@@ -23980,9 +23980,7 @@
             <a:avLst/>
           </a:prstGeom>
           <a:ln>
-            <a:solidFill>
-              <a:srgbClr val="F9CFD0"/>
-            </a:solidFill>
+            <a:noFill/>
           </a:ln>
         </p:spPr>
         <p:txBody>
@@ -24001,10 +23999,10 @@
               <a:buNone/>
             </a:pPr>
             <a:r>
-              <a:rPr lang="en"/>
+              <a:rPr lang="en" dirty="0"/>
               <a:t>02</a:t>
             </a:r>
-            <a:endParaRPr/>
+            <a:endParaRPr dirty="0"/>
           </a:p>
         </p:txBody>
       </p:sp>
@@ -31519,34 +31517,15 @@
           <a:lstStyle/>
           <a:p>
             <a:r>
-              <a:rPr lang="pl-PL" dirty="0" err="1"/>
-              <a:t>Stain</a:t>
-            </a:r>
-            <a:r>
               <a:rPr lang="pl-PL" dirty="0"/>
-              <a:t> </a:t>
-            </a:r>
-            <a:r>
-              <a:rPr lang="pl-PL" dirty="0" err="1"/>
-              <a:t>normalization</a:t>
+              <a:t>Stain normalization</a:t>
             </a:r>
             <a:br>
               <a:rPr lang="pl-PL" sz="1200" dirty="0"/>
             </a:br>
-            <a:br>
-              <a:rPr lang="pl-PL" sz="1200" dirty="0"/>
-            </a:br>
-            <a:r>
-              <a:rPr lang="pl-PL" dirty="0" err="1"/>
-              <a:t>Loss</a:t>
-            </a:r>
             <a:r>
               <a:rPr lang="pl-PL" dirty="0"/>
-              <a:t> </a:t>
-            </a:r>
-            <a:r>
-              <a:rPr lang="pl-PL" dirty="0" err="1"/>
-              <a:t>functions</a:t>
+              <a:t>Loss functions</a:t>
             </a:r>
             <a:br>
               <a:rPr lang="pl-PL" sz="1600" dirty="0"/>
@@ -31556,15 +31535,7 @@
             </a:br>
             <a:r>
               <a:rPr lang="pl-PL" sz="1800" dirty="0"/>
-              <a:t>(10 </a:t>
-            </a:r>
-            <a:r>
-              <a:rPr lang="pl-PL" sz="1800" dirty="0" err="1"/>
-              <a:t>epochs</a:t>
-            </a:r>
-            <a:r>
-              <a:rPr lang="pl-PL" sz="1800" dirty="0"/>
-              <a:t>)</a:t>
+              <a:t>(10 epochs)</a:t>
             </a:r>
             <a:endParaRPr lang="pl-PL" dirty="0"/>
           </a:p>
@@ -31633,7 +31604,7 @@
         </p:nvSpPr>
         <p:spPr>
           <a:xfrm>
-            <a:off x="5796989" y="2241426"/>
+            <a:off x="5686069" y="2263972"/>
             <a:ext cx="780983" cy="307777"/>
           </a:xfrm>
           <a:prstGeom prst="rect">
@@ -31709,7 +31680,7 @@
         </p:blipFill>
         <p:spPr>
           <a:xfrm>
-            <a:off x="4520559" y="2457230"/>
+            <a:off x="4409641" y="2457230"/>
             <a:ext cx="3333841" cy="2222561"/>
           </a:xfrm>
           <a:prstGeom prst="rect">
@@ -32494,52 +32465,21 @@
           <a:lstStyle/>
           <a:p>
             <a:r>
-              <a:rPr lang="pl-PL" sz="2400" dirty="0" err="1"/>
-              <a:t>more</a:t>
+              <a:rPr lang="pl-PL" sz="2400" dirty="0"/>
+              <a:t>More epochs</a:t>
             </a:r>
-            <a:r>
-              <a:rPr lang="pl-PL" sz="2400" dirty="0"/>
-              <a:t> </a:t>
-            </a:r>
-            <a:r>
-              <a:rPr lang="pl-PL" sz="2400" dirty="0" err="1"/>
-              <a:t>epochs</a:t>
-            </a:r>
-            <a:endParaRPr lang="pl-PL" sz="2400" dirty="0"/>
-          </a:p>
-          <a:p>
-            <a:r>
-              <a:rPr lang="pl-PL" sz="2400" dirty="0" err="1"/>
-              <a:t>manipulation</a:t>
-            </a:r>
-            <a:r>
-              <a:rPr lang="pl-PL" sz="2400" dirty="0"/>
-              <a:t> of the </a:t>
-            </a:r>
-            <a:r>
-              <a:rPr lang="pl-PL" sz="2400" dirty="0" err="1"/>
-              <a:t>number</a:t>
-            </a:r>
-            <a:r>
-              <a:rPr lang="pl-PL" sz="2400" dirty="0"/>
-              <a:t> of </a:t>
-            </a:r>
-            <a:r>
-              <a:rPr lang="pl-PL" sz="2400" dirty="0" err="1"/>
-              <a:t>neurons</a:t>
-            </a:r>
-            <a:endParaRPr lang="pl-PL" sz="2400" dirty="0"/>
           </a:p>
           <a:p>
             <a:r>
               <a:rPr lang="pl-PL" sz="2400" dirty="0"/>
-              <a:t>data </a:t>
+              <a:t>Manipulation of the number of neurons</a:t>
             </a:r>
+          </a:p>
+          <a:p>
             <a:r>
-              <a:rPr lang="pl-PL" sz="2400" dirty="0" err="1"/>
-              <a:t>augmentation</a:t>
+              <a:rPr lang="pl-PL" sz="2400" dirty="0"/>
+              <a:t>Data augmentation</a:t>
             </a:r>
-            <a:endParaRPr lang="pl-PL" sz="2400" dirty="0"/>
           </a:p>
         </p:txBody>
       </p:sp>
@@ -34059,8 +33999,8 @@
         </p:nvSpPr>
         <p:spPr>
           <a:xfrm>
-            <a:off x="3403800" y="3242394"/>
-            <a:ext cx="2336400" cy="813300"/>
+            <a:off x="3322716" y="3283799"/>
+            <a:ext cx="2498568" cy="813300"/>
           </a:xfrm>
           <a:prstGeom prst="rect">
             <a:avLst/>
@@ -35637,8 +35577,8 @@
         </p:nvSpPr>
         <p:spPr>
           <a:xfrm>
-            <a:off x="4271284" y="2189386"/>
-            <a:ext cx="601431" cy="492526"/>
+            <a:off x="4324227" y="2189386"/>
+            <a:ext cx="536841" cy="492526"/>
           </a:xfrm>
           <a:custGeom>
             <a:avLst/>
@@ -36160,7 +36100,7 @@
             </a:pPr>
             <a:r>
               <a:rPr lang="pl-PL" dirty="0"/>
-              <a:t>4. </a:t>
+              <a:t>4. Data </a:t>
             </a:r>
             <a:endParaRPr dirty="0"/>
           </a:p>
@@ -36178,8 +36118,8 @@
         </p:nvSpPr>
         <p:spPr>
           <a:xfrm>
-            <a:off x="3403800" y="3242394"/>
-            <a:ext cx="2336400" cy="813300"/>
+            <a:off x="3403800" y="3252103"/>
+            <a:ext cx="2357727" cy="813300"/>
           </a:xfrm>
           <a:prstGeom prst="rect">
             <a:avLst/>
@@ -36202,7 +36142,7 @@
             </a:pPr>
             <a:r>
               <a:rPr lang="pl-PL" dirty="0"/>
-              <a:t>opis</a:t>
+              <a:t>Samples with cancer are not indespensable for anomaly detection</a:t>
             </a:r>
             <a:endParaRPr dirty="0"/>
           </a:p>
@@ -36284,6 +36224,645 @@
           </a:ln>
         </p:spPr>
       </p:cxnSp>
+      <p:grpSp>
+        <p:nvGrpSpPr>
+          <p:cNvPr id="2" name="Google Shape;8871;p66">
+            <a:extLst>
+              <a:ext uri="{FF2B5EF4-FFF2-40B4-BE49-F238E27FC236}">
+                <a16:creationId xmlns:a16="http://schemas.microsoft.com/office/drawing/2014/main" id="{46FECC25-5878-6AEC-B56D-23A8EE0D946C}"/>
+              </a:ext>
+            </a:extLst>
+          </p:cNvPr>
+          <p:cNvGrpSpPr/>
+          <p:nvPr/>
+        </p:nvGrpSpPr>
+        <p:grpSpPr>
+          <a:xfrm>
+            <a:off x="4353724" y="2154213"/>
+            <a:ext cx="448351" cy="527700"/>
+            <a:chOff x="8010427" y="3348503"/>
+            <a:chExt cx="278795" cy="351615"/>
+          </a:xfrm>
+        </p:grpSpPr>
+        <p:sp>
+          <p:nvSpPr>
+            <p:cNvPr id="3" name="Google Shape;8872;p66">
+              <a:extLst>
+                <a:ext uri="{FF2B5EF4-FFF2-40B4-BE49-F238E27FC236}">
+                  <a16:creationId xmlns:a16="http://schemas.microsoft.com/office/drawing/2014/main" id="{78D6D66D-D9F0-91A8-F235-457121B2C541}"/>
+                </a:ext>
+              </a:extLst>
+            </p:cNvPr>
+            <p:cNvSpPr/>
+            <p:nvPr/>
+          </p:nvSpPr>
+          <p:spPr>
+            <a:xfrm>
+              <a:off x="8010427" y="3348503"/>
+              <a:ext cx="278795" cy="351615"/>
+            </a:xfrm>
+            <a:custGeom>
+              <a:avLst/>
+              <a:gdLst/>
+              <a:ahLst/>
+              <a:cxnLst/>
+              <a:rect l="l" t="t" r="r" b="b"/>
+              <a:pathLst>
+                <a:path w="8752" h="11038" extrusionOk="0">
+                  <a:moveTo>
+                    <a:pt x="6216" y="322"/>
+                  </a:moveTo>
+                  <a:cubicBezTo>
+                    <a:pt x="6323" y="322"/>
+                    <a:pt x="6406" y="405"/>
+                    <a:pt x="6406" y="512"/>
+                  </a:cubicBezTo>
+                  <a:lnTo>
+                    <a:pt x="6406" y="1215"/>
+                  </a:lnTo>
+                  <a:cubicBezTo>
+                    <a:pt x="6406" y="1310"/>
+                    <a:pt x="6323" y="1405"/>
+                    <a:pt x="6216" y="1405"/>
+                  </a:cubicBezTo>
+                  <a:lnTo>
+                    <a:pt x="5311" y="1405"/>
+                  </a:lnTo>
+                  <a:cubicBezTo>
+                    <a:pt x="5216" y="1405"/>
+                    <a:pt x="5144" y="1477"/>
+                    <a:pt x="5144" y="1572"/>
+                  </a:cubicBezTo>
+                  <a:cubicBezTo>
+                    <a:pt x="5144" y="1893"/>
+                    <a:pt x="4882" y="2144"/>
+                    <a:pt x="4561" y="2144"/>
+                  </a:cubicBezTo>
+                  <a:lnTo>
+                    <a:pt x="4203" y="2144"/>
+                  </a:lnTo>
+                  <a:cubicBezTo>
+                    <a:pt x="3882" y="2144"/>
+                    <a:pt x="3632" y="1882"/>
+                    <a:pt x="3632" y="1572"/>
+                  </a:cubicBezTo>
+                  <a:cubicBezTo>
+                    <a:pt x="3632" y="1477"/>
+                    <a:pt x="3549" y="1405"/>
+                    <a:pt x="3465" y="1405"/>
+                  </a:cubicBezTo>
+                  <a:lnTo>
+                    <a:pt x="2560" y="1405"/>
+                  </a:lnTo>
+                  <a:cubicBezTo>
+                    <a:pt x="2453" y="1405"/>
+                    <a:pt x="2358" y="1310"/>
+                    <a:pt x="2358" y="1215"/>
+                  </a:cubicBezTo>
+                  <a:lnTo>
+                    <a:pt x="2346" y="512"/>
+                  </a:lnTo>
+                  <a:cubicBezTo>
+                    <a:pt x="2346" y="405"/>
+                    <a:pt x="2441" y="322"/>
+                    <a:pt x="2537" y="322"/>
+                  </a:cubicBezTo>
+                  <a:close/>
+                  <a:moveTo>
+                    <a:pt x="2525" y="0"/>
+                  </a:moveTo>
+                  <a:cubicBezTo>
+                    <a:pt x="2239" y="0"/>
+                    <a:pt x="2025" y="227"/>
+                    <a:pt x="2025" y="512"/>
+                  </a:cubicBezTo>
+                  <a:lnTo>
+                    <a:pt x="632" y="512"/>
+                  </a:lnTo>
+                  <a:cubicBezTo>
+                    <a:pt x="274" y="512"/>
+                    <a:pt x="1" y="798"/>
+                    <a:pt x="1" y="1143"/>
+                  </a:cubicBezTo>
+                  <a:lnTo>
+                    <a:pt x="1" y="7656"/>
+                  </a:lnTo>
+                  <a:cubicBezTo>
+                    <a:pt x="1" y="7739"/>
+                    <a:pt x="72" y="7823"/>
+                    <a:pt x="155" y="7823"/>
+                  </a:cubicBezTo>
+                  <a:cubicBezTo>
+                    <a:pt x="251" y="7823"/>
+                    <a:pt x="322" y="7739"/>
+                    <a:pt x="322" y="7656"/>
+                  </a:cubicBezTo>
+                  <a:lnTo>
+                    <a:pt x="322" y="1143"/>
+                  </a:lnTo>
+                  <a:cubicBezTo>
+                    <a:pt x="322" y="965"/>
+                    <a:pt x="477" y="822"/>
+                    <a:pt x="655" y="822"/>
+                  </a:cubicBezTo>
+                  <a:lnTo>
+                    <a:pt x="1036" y="822"/>
+                  </a:lnTo>
+                  <a:lnTo>
+                    <a:pt x="1036" y="9918"/>
+                  </a:lnTo>
+                  <a:cubicBezTo>
+                    <a:pt x="1036" y="10002"/>
+                    <a:pt x="1108" y="10085"/>
+                    <a:pt x="1203" y="10085"/>
+                  </a:cubicBezTo>
+                  <a:lnTo>
+                    <a:pt x="7573" y="10085"/>
+                  </a:lnTo>
+                  <a:cubicBezTo>
+                    <a:pt x="7656" y="10085"/>
+                    <a:pt x="7728" y="10002"/>
+                    <a:pt x="7728" y="9918"/>
+                  </a:cubicBezTo>
+                  <a:lnTo>
+                    <a:pt x="7728" y="822"/>
+                  </a:lnTo>
+                  <a:lnTo>
+                    <a:pt x="8121" y="822"/>
+                  </a:lnTo>
+                  <a:cubicBezTo>
+                    <a:pt x="8299" y="822"/>
+                    <a:pt x="8442" y="965"/>
+                    <a:pt x="8442" y="1143"/>
+                  </a:cubicBezTo>
+                  <a:lnTo>
+                    <a:pt x="8442" y="10395"/>
+                  </a:lnTo>
+                  <a:cubicBezTo>
+                    <a:pt x="8442" y="10573"/>
+                    <a:pt x="8299" y="10716"/>
+                    <a:pt x="8121" y="10716"/>
+                  </a:cubicBezTo>
+                  <a:lnTo>
+                    <a:pt x="667" y="10716"/>
+                  </a:lnTo>
+                  <a:cubicBezTo>
+                    <a:pt x="489" y="10716"/>
+                    <a:pt x="334" y="10573"/>
+                    <a:pt x="334" y="10395"/>
+                  </a:cubicBezTo>
+                  <a:lnTo>
+                    <a:pt x="334" y="8418"/>
+                  </a:lnTo>
+                  <a:cubicBezTo>
+                    <a:pt x="334" y="8323"/>
+                    <a:pt x="263" y="8251"/>
+                    <a:pt x="167" y="8251"/>
+                  </a:cubicBezTo>
+                  <a:cubicBezTo>
+                    <a:pt x="84" y="8251"/>
+                    <a:pt x="12" y="8323"/>
+                    <a:pt x="12" y="8418"/>
+                  </a:cubicBezTo>
+                  <a:lnTo>
+                    <a:pt x="12" y="10395"/>
+                  </a:lnTo>
+                  <a:cubicBezTo>
+                    <a:pt x="12" y="10752"/>
+                    <a:pt x="298" y="11037"/>
+                    <a:pt x="644" y="11037"/>
+                  </a:cubicBezTo>
+                  <a:lnTo>
+                    <a:pt x="8109" y="11037"/>
+                  </a:lnTo>
+                  <a:cubicBezTo>
+                    <a:pt x="8466" y="11037"/>
+                    <a:pt x="8740" y="10752"/>
+                    <a:pt x="8740" y="10395"/>
+                  </a:cubicBezTo>
+                  <a:lnTo>
+                    <a:pt x="8740" y="1143"/>
+                  </a:lnTo>
+                  <a:cubicBezTo>
+                    <a:pt x="8752" y="810"/>
+                    <a:pt x="8454" y="512"/>
+                    <a:pt x="8109" y="512"/>
+                  </a:cubicBezTo>
+                  <a:lnTo>
+                    <a:pt x="7299" y="512"/>
+                  </a:lnTo>
+                  <a:cubicBezTo>
+                    <a:pt x="7216" y="512"/>
+                    <a:pt x="7144" y="584"/>
+                    <a:pt x="7144" y="679"/>
+                  </a:cubicBezTo>
+                  <a:cubicBezTo>
+                    <a:pt x="7144" y="762"/>
+                    <a:pt x="7216" y="834"/>
+                    <a:pt x="7299" y="834"/>
+                  </a:cubicBezTo>
+                  <a:lnTo>
+                    <a:pt x="7406" y="834"/>
+                  </a:lnTo>
+                  <a:lnTo>
+                    <a:pt x="7406" y="9764"/>
+                  </a:lnTo>
+                  <a:lnTo>
+                    <a:pt x="1370" y="9764"/>
+                  </a:lnTo>
+                  <a:lnTo>
+                    <a:pt x="1370" y="834"/>
+                  </a:lnTo>
+                  <a:lnTo>
+                    <a:pt x="2037" y="834"/>
+                  </a:lnTo>
+                  <a:lnTo>
+                    <a:pt x="2037" y="1215"/>
+                  </a:lnTo>
+                  <a:cubicBezTo>
+                    <a:pt x="2037" y="1489"/>
+                    <a:pt x="2263" y="1715"/>
+                    <a:pt x="2537" y="1715"/>
+                  </a:cubicBezTo>
+                  <a:lnTo>
+                    <a:pt x="3299" y="1715"/>
+                  </a:lnTo>
+                  <a:cubicBezTo>
+                    <a:pt x="3370" y="2132"/>
+                    <a:pt x="3751" y="2465"/>
+                    <a:pt x="4192" y="2465"/>
+                  </a:cubicBezTo>
+                  <a:lnTo>
+                    <a:pt x="4549" y="2465"/>
+                  </a:lnTo>
+                  <a:cubicBezTo>
+                    <a:pt x="5001" y="2465"/>
+                    <a:pt x="5370" y="2132"/>
+                    <a:pt x="5442" y="1715"/>
+                  </a:cubicBezTo>
+                  <a:lnTo>
+                    <a:pt x="6204" y="1715"/>
+                  </a:lnTo>
+                  <a:cubicBezTo>
+                    <a:pt x="6489" y="1715"/>
+                    <a:pt x="6704" y="1489"/>
+                    <a:pt x="6704" y="1215"/>
+                  </a:cubicBezTo>
+                  <a:lnTo>
+                    <a:pt x="6704" y="512"/>
+                  </a:lnTo>
+                  <a:cubicBezTo>
+                    <a:pt x="6704" y="227"/>
+                    <a:pt x="6489" y="0"/>
+                    <a:pt x="6204" y="0"/>
+                  </a:cubicBezTo>
+                  <a:close/>
+                </a:path>
+              </a:pathLst>
+            </a:custGeom>
+            <a:solidFill>
+              <a:srgbClr val="657E93"/>
+            </a:solidFill>
+            <a:ln>
+              <a:noFill/>
+            </a:ln>
+          </p:spPr>
+          <p:txBody>
+            <a:bodyPr spcFirstLastPara="1" wrap="square" lIns="91425" tIns="91425" rIns="91425" bIns="91425" anchor="ctr" anchorCtr="0">
+              <a:noAutofit/>
+            </a:bodyPr>
+            <a:lstStyle/>
+            <a:p>
+              <a:pPr marL="0" lvl="0" indent="0" algn="l" rtl="0">
+                <a:spcBef>
+                  <a:spcPts val="0"/>
+                </a:spcBef>
+                <a:spcAft>
+                  <a:spcPts val="0"/>
+                </a:spcAft>
+                <a:buNone/>
+              </a:pPr>
+              <a:endParaRPr/>
+            </a:p>
+          </p:txBody>
+        </p:sp>
+        <p:sp>
+          <p:nvSpPr>
+            <p:cNvPr id="4" name="Google Shape;8873;p66">
+              <a:extLst>
+                <a:ext uri="{FF2B5EF4-FFF2-40B4-BE49-F238E27FC236}">
+                  <a16:creationId xmlns:a16="http://schemas.microsoft.com/office/drawing/2014/main" id="{EB683814-981C-D949-D4EA-02F86F99DA17}"/>
+                </a:ext>
+              </a:extLst>
+            </p:cNvPr>
+            <p:cNvSpPr/>
+            <p:nvPr/>
+          </p:nvSpPr>
+          <p:spPr>
+            <a:xfrm>
+              <a:off x="8078692" y="3438653"/>
+              <a:ext cx="142264" cy="100216"/>
+            </a:xfrm>
+            <a:custGeom>
+              <a:avLst/>
+              <a:gdLst/>
+              <a:ahLst/>
+              <a:cxnLst/>
+              <a:rect l="l" t="t" r="r" b="b"/>
+              <a:pathLst>
+                <a:path w="4466" h="3146" extrusionOk="0">
+                  <a:moveTo>
+                    <a:pt x="2742" y="1"/>
+                  </a:moveTo>
+                  <a:cubicBezTo>
+                    <a:pt x="2676" y="1"/>
+                    <a:pt x="2609" y="43"/>
+                    <a:pt x="2584" y="123"/>
+                  </a:cubicBezTo>
+                  <a:lnTo>
+                    <a:pt x="1989" y="2433"/>
+                  </a:lnTo>
+                  <a:lnTo>
+                    <a:pt x="1429" y="778"/>
+                  </a:lnTo>
+                  <a:cubicBezTo>
+                    <a:pt x="1403" y="705"/>
+                    <a:pt x="1335" y="665"/>
+                    <a:pt x="1268" y="665"/>
+                  </a:cubicBezTo>
+                  <a:cubicBezTo>
+                    <a:pt x="1216" y="665"/>
+                    <a:pt x="1163" y="690"/>
+                    <a:pt x="1132" y="742"/>
+                  </a:cubicBezTo>
+                  <a:lnTo>
+                    <a:pt x="656" y="1600"/>
+                  </a:lnTo>
+                  <a:lnTo>
+                    <a:pt x="155" y="1600"/>
+                  </a:lnTo>
+                  <a:cubicBezTo>
+                    <a:pt x="72" y="1600"/>
+                    <a:pt x="1" y="1671"/>
+                    <a:pt x="1" y="1754"/>
+                  </a:cubicBezTo>
+                  <a:cubicBezTo>
+                    <a:pt x="1" y="1850"/>
+                    <a:pt x="72" y="1921"/>
+                    <a:pt x="155" y="1921"/>
+                  </a:cubicBezTo>
+                  <a:lnTo>
+                    <a:pt x="739" y="1921"/>
+                  </a:lnTo>
+                  <a:cubicBezTo>
+                    <a:pt x="798" y="1921"/>
+                    <a:pt x="846" y="1897"/>
+                    <a:pt x="894" y="1838"/>
+                  </a:cubicBezTo>
+                  <a:lnTo>
+                    <a:pt x="1227" y="1219"/>
+                  </a:lnTo>
+                  <a:lnTo>
+                    <a:pt x="1858" y="3040"/>
+                  </a:lnTo>
+                  <a:cubicBezTo>
+                    <a:pt x="1887" y="3110"/>
+                    <a:pt x="1951" y="3146"/>
+                    <a:pt x="2013" y="3146"/>
+                  </a:cubicBezTo>
+                  <a:cubicBezTo>
+                    <a:pt x="2079" y="3146"/>
+                    <a:pt x="2143" y="3107"/>
+                    <a:pt x="2168" y="3028"/>
+                  </a:cubicBezTo>
+                  <a:lnTo>
+                    <a:pt x="2763" y="683"/>
+                  </a:lnTo>
+                  <a:lnTo>
+                    <a:pt x="3168" y="1802"/>
+                  </a:lnTo>
+                  <a:cubicBezTo>
+                    <a:pt x="3192" y="1861"/>
+                    <a:pt x="3251" y="1909"/>
+                    <a:pt x="3311" y="1909"/>
+                  </a:cubicBezTo>
+                  <a:lnTo>
+                    <a:pt x="4287" y="1909"/>
+                  </a:lnTo>
+                  <a:cubicBezTo>
+                    <a:pt x="4370" y="1909"/>
+                    <a:pt x="4442" y="1838"/>
+                    <a:pt x="4442" y="1742"/>
+                  </a:cubicBezTo>
+                  <a:cubicBezTo>
+                    <a:pt x="4466" y="1671"/>
+                    <a:pt x="4382" y="1600"/>
+                    <a:pt x="4299" y="1600"/>
+                  </a:cubicBezTo>
+                  <a:lnTo>
+                    <a:pt x="3454" y="1600"/>
+                  </a:lnTo>
+                  <a:lnTo>
+                    <a:pt x="2894" y="111"/>
+                  </a:lnTo>
+                  <a:cubicBezTo>
+                    <a:pt x="2865" y="37"/>
+                    <a:pt x="2804" y="1"/>
+                    <a:pt x="2742" y="1"/>
+                  </a:cubicBezTo>
+                  <a:close/>
+                </a:path>
+              </a:pathLst>
+            </a:custGeom>
+            <a:solidFill>
+              <a:srgbClr val="657E93"/>
+            </a:solidFill>
+            <a:ln>
+              <a:noFill/>
+            </a:ln>
+          </p:spPr>
+          <p:txBody>
+            <a:bodyPr spcFirstLastPara="1" wrap="square" lIns="91425" tIns="91425" rIns="91425" bIns="91425" anchor="ctr" anchorCtr="0">
+              <a:noAutofit/>
+            </a:bodyPr>
+            <a:lstStyle/>
+            <a:p>
+              <a:pPr marL="0" lvl="0" indent="0" algn="l" rtl="0">
+                <a:spcBef>
+                  <a:spcPts val="0"/>
+                </a:spcBef>
+                <a:spcAft>
+                  <a:spcPts val="0"/>
+                </a:spcAft>
+                <a:buNone/>
+              </a:pPr>
+              <a:endParaRPr/>
+            </a:p>
+          </p:txBody>
+        </p:sp>
+        <p:sp>
+          <p:nvSpPr>
+            <p:cNvPr id="5" name="Google Shape;8874;p66">
+              <a:extLst>
+                <a:ext uri="{FF2B5EF4-FFF2-40B4-BE49-F238E27FC236}">
+                  <a16:creationId xmlns:a16="http://schemas.microsoft.com/office/drawing/2014/main" id="{CA0A052B-281F-BDAC-3FAA-12D6B09AE3B2}"/>
+                </a:ext>
+              </a:extLst>
+            </p:cNvPr>
+            <p:cNvSpPr/>
+            <p:nvPr/>
+          </p:nvSpPr>
+          <p:spPr>
+            <a:xfrm>
+              <a:off x="8079074" y="3574928"/>
+              <a:ext cx="141882" cy="10257"/>
+            </a:xfrm>
+            <a:custGeom>
+              <a:avLst/>
+              <a:gdLst/>
+              <a:ahLst/>
+              <a:cxnLst/>
+              <a:rect l="l" t="t" r="r" b="b"/>
+              <a:pathLst>
+                <a:path w="4454" h="322" extrusionOk="0">
+                  <a:moveTo>
+                    <a:pt x="167" y="0"/>
+                  </a:moveTo>
+                  <a:cubicBezTo>
+                    <a:pt x="72" y="0"/>
+                    <a:pt x="1" y="72"/>
+                    <a:pt x="1" y="155"/>
+                  </a:cubicBezTo>
+                  <a:cubicBezTo>
+                    <a:pt x="1" y="250"/>
+                    <a:pt x="72" y="322"/>
+                    <a:pt x="167" y="322"/>
+                  </a:cubicBezTo>
+                  <a:lnTo>
+                    <a:pt x="4287" y="322"/>
+                  </a:lnTo>
+                  <a:cubicBezTo>
+                    <a:pt x="4370" y="322"/>
+                    <a:pt x="4454" y="250"/>
+                    <a:pt x="4454" y="155"/>
+                  </a:cubicBezTo>
+                  <a:cubicBezTo>
+                    <a:pt x="4454" y="72"/>
+                    <a:pt x="4370" y="0"/>
+                    <a:pt x="4287" y="0"/>
+                  </a:cubicBezTo>
+                  <a:close/>
+                </a:path>
+              </a:pathLst>
+            </a:custGeom>
+            <a:solidFill>
+              <a:srgbClr val="657E93"/>
+            </a:solidFill>
+            <a:ln>
+              <a:noFill/>
+            </a:ln>
+          </p:spPr>
+          <p:txBody>
+            <a:bodyPr spcFirstLastPara="1" wrap="square" lIns="91425" tIns="91425" rIns="91425" bIns="91425" anchor="ctr" anchorCtr="0">
+              <a:noAutofit/>
+            </a:bodyPr>
+            <a:lstStyle/>
+            <a:p>
+              <a:pPr marL="0" lvl="0" indent="0" algn="l" rtl="0">
+                <a:spcBef>
+                  <a:spcPts val="0"/>
+                </a:spcBef>
+                <a:spcAft>
+                  <a:spcPts val="0"/>
+                </a:spcAft>
+                <a:buNone/>
+              </a:pPr>
+              <a:endParaRPr/>
+            </a:p>
+          </p:txBody>
+        </p:sp>
+        <p:sp>
+          <p:nvSpPr>
+            <p:cNvPr id="6" name="Google Shape;8875;p66">
+              <a:extLst>
+                <a:ext uri="{FF2B5EF4-FFF2-40B4-BE49-F238E27FC236}">
+                  <a16:creationId xmlns:a16="http://schemas.microsoft.com/office/drawing/2014/main" id="{E96EEE64-A62B-9C58-0F75-6934971B98C7}"/>
+                </a:ext>
+              </a:extLst>
+            </p:cNvPr>
+            <p:cNvSpPr/>
+            <p:nvPr/>
+          </p:nvSpPr>
+          <p:spPr>
+            <a:xfrm>
+              <a:off x="8079074" y="3619685"/>
+              <a:ext cx="141882" cy="10640"/>
+            </a:xfrm>
+            <a:custGeom>
+              <a:avLst/>
+              <a:gdLst/>
+              <a:ahLst/>
+              <a:cxnLst/>
+              <a:rect l="l" t="t" r="r" b="b"/>
+              <a:pathLst>
+                <a:path w="4454" h="334" extrusionOk="0">
+                  <a:moveTo>
+                    <a:pt x="167" y="0"/>
+                  </a:moveTo>
+                  <a:cubicBezTo>
+                    <a:pt x="72" y="0"/>
+                    <a:pt x="1" y="84"/>
+                    <a:pt x="1" y="167"/>
+                  </a:cubicBezTo>
+                  <a:cubicBezTo>
+                    <a:pt x="1" y="262"/>
+                    <a:pt x="72" y="334"/>
+                    <a:pt x="167" y="334"/>
+                  </a:cubicBezTo>
+                  <a:lnTo>
+                    <a:pt x="4287" y="334"/>
+                  </a:lnTo>
+                  <a:cubicBezTo>
+                    <a:pt x="4370" y="334"/>
+                    <a:pt x="4454" y="262"/>
+                    <a:pt x="4454" y="167"/>
+                  </a:cubicBezTo>
+                  <a:cubicBezTo>
+                    <a:pt x="4454" y="84"/>
+                    <a:pt x="4370" y="0"/>
+                    <a:pt x="4287" y="0"/>
+                  </a:cubicBezTo>
+                  <a:close/>
+                </a:path>
+              </a:pathLst>
+            </a:custGeom>
+            <a:solidFill>
+              <a:srgbClr val="657E93"/>
+            </a:solidFill>
+            <a:ln>
+              <a:noFill/>
+            </a:ln>
+          </p:spPr>
+          <p:txBody>
+            <a:bodyPr spcFirstLastPara="1" wrap="square" lIns="91425" tIns="91425" rIns="91425" bIns="91425" anchor="ctr" anchorCtr="0">
+              <a:noAutofit/>
+            </a:bodyPr>
+            <a:lstStyle/>
+            <a:p>
+              <a:pPr marL="0" lvl="0" indent="0" algn="l" rtl="0">
+                <a:spcBef>
+                  <a:spcPts val="0"/>
+                </a:spcBef>
+                <a:spcAft>
+                  <a:spcPts val="0"/>
+                </a:spcAft>
+                <a:buNone/>
+              </a:pPr>
+              <a:endParaRPr/>
+            </a:p>
+          </p:txBody>
+        </p:sp>
+      </p:grpSp>
     </p:spTree>
     <p:extLst>
       <p:ext uri="{BB962C8B-B14F-4D97-AF65-F5344CB8AC3E}">
